--- a/Day_1/Buổi 1.pptx
+++ b/Day_1/Buổi 1.pptx
@@ -6,14 +6,14 @@
   </p:sldMasterIdLst>
   <p:sldIdLst>
     <p:sldId id="257" r:id="rId2"/>
-    <p:sldId id="258" r:id="rId3"/>
-    <p:sldId id="259" r:id="rId4"/>
-    <p:sldId id="260" r:id="rId5"/>
-    <p:sldId id="261" r:id="rId6"/>
-    <p:sldId id="262" r:id="rId7"/>
-    <p:sldId id="264" r:id="rId8"/>
-    <p:sldId id="265" r:id="rId9"/>
-    <p:sldId id="266" r:id="rId10"/>
+    <p:sldId id="265" r:id="rId3"/>
+    <p:sldId id="266" r:id="rId4"/>
+    <p:sldId id="264" r:id="rId5"/>
+    <p:sldId id="258" r:id="rId6"/>
+    <p:sldId id="259" r:id="rId7"/>
+    <p:sldId id="260" r:id="rId8"/>
+    <p:sldId id="261" r:id="rId9"/>
+    <p:sldId id="262" r:id="rId10"/>
     <p:sldId id="267" r:id="rId11"/>
     <p:sldId id="268" r:id="rId12"/>
     <p:sldId id="263" r:id="rId13"/>
@@ -302,7 +302,7 @@
                 </a:solidFill>
               </a:rPr>
               <a:pPr/>
-              <a:t>7/10/2022</a:t>
+              <a:t>7/13/2022</a:t>
             </a:fld>
             <a:endParaRPr lang="en-US" kern="0">
               <a:solidFill>
@@ -517,7 +517,7 @@
                 </a:solidFill>
               </a:rPr>
               <a:pPr/>
-              <a:t>7/10/2022</a:t>
+              <a:t>7/13/2022</a:t>
             </a:fld>
             <a:endParaRPr lang="en-US" kern="0">
               <a:solidFill>
@@ -769,7 +769,7 @@
                 </a:solidFill>
               </a:rPr>
               <a:pPr/>
-              <a:t>7/10/2022</a:t>
+              <a:t>7/13/2022</a:t>
             </a:fld>
             <a:endParaRPr lang="en-US" kern="0">
               <a:solidFill>
@@ -955,7 +955,7 @@
                 </a:solidFill>
               </a:rPr>
               <a:pPr/>
-              <a:t>7/10/2022</a:t>
+              <a:t>7/13/2022</a:t>
             </a:fld>
             <a:endParaRPr lang="en-US" kern="0">
               <a:solidFill>
@@ -1252,7 +1252,7 @@
                 </a:solidFill>
               </a:rPr>
               <a:pPr/>
-              <a:t>7/10/2022</a:t>
+              <a:t>7/13/2022</a:t>
             </a:fld>
             <a:endParaRPr lang="en-US" kern="0">
               <a:solidFill>
@@ -1470,7 +1470,7 @@
           <a:p>
             <a:fld id="{81D009C0-9930-4051-A75A-4EE0E09CE525}" type="datetimeFigureOut">
               <a:rPr lang="en-US" smtClean="0"/>
-              <a:t>7/10/2022</a:t>
+              <a:t>7/13/2022</a:t>
             </a:fld>
             <a:endParaRPr lang="en-US"/>
           </a:p>
@@ -1845,7 +1845,7 @@
                 </a:solidFill>
               </a:rPr>
               <a:pPr/>
-              <a:t>7/10/2022</a:t>
+              <a:t>7/13/2022</a:t>
             </a:fld>
             <a:endParaRPr lang="en-US" kern="0">
               <a:solidFill>
@@ -5401,52 +5401,8 @@
               </a:spcBef>
             </a:pPr>
             <a:r>
-              <a:rPr lang="en-US" dirty="0" err="1"/>
-              <a:t>Hệ</a:t>
-            </a:r>
-            <a:r>
-              <a:rPr lang="en-US" dirty="0"/>
-              <a:t> </a:t>
-            </a:r>
-            <a:r>
-              <a:rPr lang="en-US" dirty="0" err="1"/>
-              <a:t>thống</a:t>
-            </a:r>
-            <a:r>
-              <a:rPr lang="en-US" dirty="0"/>
-              <a:t> </a:t>
-            </a:r>
-            <a:r>
-              <a:rPr lang="en-US" dirty="0" err="1"/>
-              <a:t>nhúng</a:t>
-            </a:r>
-            <a:r>
-              <a:rPr lang="en-US" dirty="0"/>
-              <a:t> </a:t>
-            </a:r>
-            <a:r>
-              <a:rPr lang="en-US" dirty="0" err="1"/>
-              <a:t>là</a:t>
-            </a:r>
-            <a:r>
-              <a:rPr lang="en-US" dirty="0"/>
-              <a:t> </a:t>
-            </a:r>
-            <a:r>
-              <a:rPr lang="en-US" dirty="0" err="1"/>
-              <a:t>gì</a:t>
-            </a:r>
-            <a:r>
-              <a:rPr lang="en-US" dirty="0"/>
-              <a:t>(</a:t>
-            </a:r>
-            <a:r>
-              <a:rPr lang="en-US" dirty="0" err="1"/>
-              <a:t>embeddedsystems</a:t>
-            </a:r>
-            <a:r>
-              <a:rPr lang="en-US" dirty="0"/>
-              <a:t>)?</a:t>
+              <a:rPr lang="vi-VN" spc="-20" dirty="0"/>
+              <a:t>Yêu cầu khi theo học</a:t>
             </a:r>
             <a:endParaRPr spc="-20" dirty="0"/>
           </a:p>
@@ -5460,8 +5416,8 @@
         </p:nvSpPr>
         <p:spPr>
           <a:xfrm>
-            <a:off x="1085719" y="2281555"/>
-            <a:ext cx="7348220" cy="3508653"/>
+            <a:off x="974623" y="1837261"/>
+            <a:ext cx="10023814" cy="5791329"/>
           </a:xfrm>
           <a:prstGeom prst="rect">
             <a:avLst/>
@@ -5473,7 +5429,7 @@
           </a:bodyPr>
           <a:lstStyle/>
           <a:p>
-            <a:pPr marL="287020" indent="-274320">
+            <a:pPr marL="287020" indent="-274320" algn="just">
               <a:spcBef>
                 <a:spcPts val="720"/>
               </a:spcBef>
@@ -5488,17 +5444,17 @@
               </a:tabLst>
             </a:pPr>
             <a:r>
-              <a:rPr lang="vi-VN" sz="2600" dirty="0">
+              <a:rPr lang="vi-VN" sz="2400" dirty="0">
                 <a:latin typeface="Arial"/>
                 <a:cs typeface="Arial"/>
               </a:rPr>
-              <a:t>Hệ thống nhúng là hệ thống máy tính có chức năng dành riêng, chuyên biệt cho một công việc gì đó cụ thể. Nó khác với các hệ thống máy tính đa dụng có thể làm nhiều việc cùng lúc.</a:t>
-            </a:r>
-          </a:p>
-          <a:p>
-            <a:pPr marL="287020" indent="-274320">
-              <a:spcBef>
-                <a:spcPts val="625"/>
+              <a:t>Thái độ nghiêm túc, chịu khó trong quá trình học.</a:t>
+            </a:r>
+          </a:p>
+          <a:p>
+            <a:pPr marL="287020" indent="-274320" algn="just">
+              <a:spcBef>
+                <a:spcPts val="720"/>
               </a:spcBef>
               <a:buClr>
                 <a:srgbClr val="E7BB29"/>
@@ -5511,84 +5467,107 @@
               </a:tabLst>
             </a:pPr>
             <a:r>
-              <a:rPr lang="en-US" sz="2600" dirty="0" err="1">
+              <a:rPr lang="vi-VN" sz="2400" dirty="0">
                 <a:latin typeface="Arial"/>
                 <a:cs typeface="Arial"/>
               </a:rPr>
-              <a:t>Đặc</a:t>
-            </a:r>
-            <a:r>
-              <a:rPr lang="en-US" sz="2600" dirty="0">
+              <a:t>Nộp bài tập và báo cáo đầy đủ, đúng hạn(3 lần muộn sẽ bị out).</a:t>
+            </a:r>
+          </a:p>
+          <a:p>
+            <a:pPr marL="287020" indent="-274320" algn="just">
+              <a:spcBef>
+                <a:spcPts val="720"/>
+              </a:spcBef>
+              <a:buClr>
+                <a:srgbClr val="E7BB29"/>
+              </a:buClr>
+              <a:buSzPct val="94230"/>
+              <a:buFont typeface="Segoe UI Symbol"/>
+              <a:buChar char="⚫"/>
+              <a:tabLst>
+                <a:tab pos="287020" algn="l"/>
+              </a:tabLst>
+            </a:pPr>
+            <a:r>
+              <a:rPr lang="vi-VN" sz="2400" dirty="0">
+                <a:latin typeface="Arial"/>
+                <a:cs typeface="Arial"/>
+              </a:rPr>
+              <a:t>Tương tác trong quá trình học(để anh biết mn có hiểu không).</a:t>
+            </a:r>
+          </a:p>
+          <a:p>
+            <a:pPr marL="287020" indent="-274320" algn="just">
+              <a:spcBef>
+                <a:spcPts val="720"/>
+              </a:spcBef>
+              <a:buClr>
+                <a:srgbClr val="E7BB29"/>
+              </a:buClr>
+              <a:buSzPct val="94230"/>
+              <a:buFont typeface="Segoe UI Symbol"/>
+              <a:buChar char="⚫"/>
+              <a:tabLst>
+                <a:tab pos="287020" algn="l"/>
+              </a:tabLst>
+            </a:pPr>
+            <a:r>
+              <a:rPr lang="vi-VN" sz="2400" dirty="0">
+                <a:latin typeface="Arial"/>
+                <a:cs typeface="Arial"/>
+              </a:rPr>
+              <a:t>Có vấn đề gì đột xuất thì báo trước(ib riêng cho anh</a:t>
+            </a:r>
+            <a:r>
+              <a:rPr lang="en-US" sz="2400" dirty="0">
                 <a:latin typeface="Arial"/>
                 <a:cs typeface="Arial"/>
               </a:rPr>
               <a:t> </a:t>
             </a:r>
             <a:r>
-              <a:rPr lang="en-US" sz="2600" dirty="0" err="1">
+              <a:rPr lang="en-US" sz="2400" dirty="0" err="1">
                 <a:latin typeface="Arial"/>
                 <a:cs typeface="Arial"/>
               </a:rPr>
-              <a:t>tính</a:t>
-            </a:r>
-            <a:r>
-              <a:rPr lang="en-US" sz="2600" dirty="0">
+              <a:t>trước</a:t>
+            </a:r>
+            <a:r>
+              <a:rPr lang="en-US" sz="2400" dirty="0">
                 <a:latin typeface="Arial"/>
                 <a:cs typeface="Arial"/>
               </a:rPr>
-              <a:t> </a:t>
-            </a:r>
-            <a:r>
-              <a:rPr lang="en-US" sz="2600" dirty="0" err="1">
+              <a:t> 1 </a:t>
+            </a:r>
+            <a:r>
+              <a:rPr lang="en-US" sz="2400" dirty="0" err="1">
                 <a:latin typeface="Arial"/>
                 <a:cs typeface="Arial"/>
               </a:rPr>
-              <a:t>chung</a:t>
-            </a:r>
-            <a:r>
-              <a:rPr lang="en-US" sz="2600" dirty="0">
-                <a:latin typeface="Arial"/>
-                <a:cs typeface="Arial"/>
-              </a:rPr>
-              <a:t>:</a:t>
-            </a:r>
-          </a:p>
-          <a:p>
-            <a:pPr marL="652780" lvl="1" indent="-247650">
-              <a:spcBef>
-                <a:spcPts val="585"/>
-              </a:spcBef>
-              <a:buClr>
-                <a:srgbClr val="A4B592"/>
-              </a:buClr>
-              <a:buSzPct val="85416"/>
-              <a:buFont typeface="Segoe UI Symbol"/>
-              <a:buChar char="⚫"/>
-              <a:tabLst>
-                <a:tab pos="653415" algn="l"/>
-              </a:tabLst>
-            </a:pPr>
+              <a:t>ngày</a:t>
+            </a:r>
             <a:r>
               <a:rPr lang="vi-VN" sz="2400" dirty="0">
                 <a:latin typeface="Arial"/>
                 <a:cs typeface="Arial"/>
               </a:rPr>
-              <a:t>Kích thước của hệ thống nhỏ hơn</a:t>
-            </a:r>
-          </a:p>
-          <a:p>
-            <a:pPr marL="652780" lvl="1" indent="-247650">
-              <a:spcBef>
-                <a:spcPts val="580"/>
+              <a:t>).</a:t>
+            </a:r>
+          </a:p>
+          <a:p>
+            <a:pPr marL="287020" indent="-274320" algn="just">
+              <a:spcBef>
+                <a:spcPts val="720"/>
               </a:spcBef>
               <a:buClr>
-                <a:srgbClr val="A4B592"/>
+                <a:srgbClr val="E7BB29"/>
               </a:buClr>
-              <a:buSzPct val="85416"/>
+              <a:buSzPct val="94230"/>
               <a:buFont typeface="Segoe UI Symbol"/>
               <a:buChar char="⚫"/>
               <a:tabLst>
-                <a:tab pos="653415" algn="l"/>
+                <a:tab pos="287020" algn="l"/>
               </a:tabLst>
             </a:pPr>
             <a:r>
@@ -5596,26 +5575,22 @@
                 <a:latin typeface="Arial"/>
                 <a:cs typeface="Arial"/>
               </a:rPr>
-              <a:t>Giá thành rẻ hơn</a:t>
-            </a:r>
-            <a:endParaRPr sz="2400" dirty="0">
-              <a:latin typeface="Arial"/>
-              <a:cs typeface="Arial"/>
-            </a:endParaRPr>
-          </a:p>
-          <a:p>
-            <a:pPr marL="652780" lvl="1" indent="-247650">
-              <a:spcBef>
-                <a:spcPts val="575"/>
+              <a:t>Nếu học Off thì mọi người hết sức trật tự, lễ phép, gọn gàng trước khi ra về dọn và cất ghê gọn gàng.</a:t>
+            </a:r>
+          </a:p>
+          <a:p>
+            <a:pPr marL="287020" indent="-274320" algn="just">
+              <a:spcBef>
+                <a:spcPts val="720"/>
               </a:spcBef>
               <a:buClr>
-                <a:srgbClr val="A4B592"/>
+                <a:srgbClr val="E7BB29"/>
               </a:buClr>
-              <a:buSzPct val="85416"/>
+              <a:buSzPct val="94230"/>
               <a:buFont typeface="Segoe UI Symbol"/>
               <a:buChar char="⚫"/>
               <a:tabLst>
-                <a:tab pos="653415" algn="l"/>
+                <a:tab pos="287020" algn="l"/>
               </a:tabLst>
             </a:pPr>
             <a:r>
@@ -5623,16 +5598,141 @@
                 <a:latin typeface="Arial"/>
                 <a:cs typeface="Arial"/>
               </a:rPr>
-              <a:t>Tiêu thụ ít năng lượng</a:t>
-            </a:r>
-            <a:endParaRPr sz="2400" dirty="0">
+              <a:t>Không được dẫn người lạ vào lab nếu chưa có sự cho phép của anh.</a:t>
+            </a:r>
+            <a:endParaRPr lang="en-US" sz="2400" dirty="0">
               <a:latin typeface="Arial"/>
               <a:cs typeface="Arial"/>
             </a:endParaRPr>
           </a:p>
+          <a:p>
+            <a:pPr marL="287020" indent="-274320" algn="just">
+              <a:spcBef>
+                <a:spcPts val="720"/>
+              </a:spcBef>
+              <a:buClr>
+                <a:srgbClr val="E7BB29"/>
+              </a:buClr>
+              <a:buSzPct val="94230"/>
+              <a:buFont typeface="Segoe UI Symbol"/>
+              <a:buChar char="⚫"/>
+              <a:tabLst>
+                <a:tab pos="287020" algn="l"/>
+              </a:tabLst>
+            </a:pPr>
+            <a:r>
+              <a:rPr lang="en-US" sz="2400" dirty="0" err="1">
+                <a:latin typeface="Arial"/>
+                <a:cs typeface="Arial"/>
+              </a:rPr>
+              <a:t>Biết</a:t>
+            </a:r>
+            <a:r>
+              <a:rPr lang="en-US" sz="2400" dirty="0">
+                <a:latin typeface="Arial"/>
+                <a:cs typeface="Arial"/>
+              </a:rPr>
+              <a:t> google.</a:t>
+            </a:r>
+            <a:endParaRPr lang="vi-VN" sz="2400" dirty="0">
+              <a:latin typeface="Arial"/>
+              <a:cs typeface="Arial"/>
+            </a:endParaRPr>
+          </a:p>
+          <a:p>
+            <a:pPr marL="355600" indent="-342900" algn="just">
+              <a:spcBef>
+                <a:spcPts val="720"/>
+              </a:spcBef>
+              <a:buClr>
+                <a:srgbClr val="E7BB29"/>
+              </a:buClr>
+              <a:buSzPct val="94230"/>
+              <a:buFont typeface="Wingdings" panose="05000000000000000000" pitchFamily="2" charset="2"/>
+              <a:buChar char="v"/>
+              <a:tabLst>
+                <a:tab pos="287020" algn="l"/>
+              </a:tabLst>
+            </a:pPr>
+            <a:r>
+              <a:rPr lang="vi-VN" sz="2400" dirty="0">
+                <a:latin typeface="Arial"/>
+                <a:cs typeface="Arial"/>
+              </a:rPr>
+              <a:t>Lưu ý:</a:t>
+            </a:r>
+          </a:p>
+          <a:p>
+            <a:pPr marL="812800" lvl="1" indent="-342900" algn="just">
+              <a:spcBef>
+                <a:spcPts val="720"/>
+              </a:spcBef>
+              <a:buClr>
+                <a:srgbClr val="E7BB29"/>
+              </a:buClr>
+              <a:buSzPct val="94230"/>
+              <a:buFont typeface="Arial" panose="020B0604020202020204" pitchFamily="34" charset="0"/>
+              <a:buChar char="•"/>
+              <a:tabLst>
+                <a:tab pos="287020" algn="l"/>
+              </a:tabLst>
+            </a:pPr>
+            <a:r>
+              <a:rPr lang="vi-VN" sz="2400" dirty="0">
+                <a:latin typeface="Arial"/>
+                <a:cs typeface="Arial"/>
+              </a:rPr>
+              <a:t>Khóa học hoàn toàn miễn phí. Anh mong mọi người có trách nhiệm, nếu cảm thấy không hợp có thể báo anh để anh đỡ mất công.</a:t>
+            </a:r>
+          </a:p>
+          <a:p>
+            <a:pPr marL="287020" indent="-274320" algn="just">
+              <a:spcBef>
+                <a:spcPts val="720"/>
+              </a:spcBef>
+              <a:buClr>
+                <a:srgbClr val="E7BB29"/>
+              </a:buClr>
+              <a:buSzPct val="94230"/>
+              <a:buFont typeface="Segoe UI Symbol"/>
+              <a:buChar char="⚫"/>
+              <a:tabLst>
+                <a:tab pos="287020" algn="l"/>
+              </a:tabLst>
+            </a:pPr>
+            <a:endParaRPr lang="vi-VN" sz="2400" dirty="0">
+              <a:latin typeface="Arial"/>
+              <a:cs typeface="Arial"/>
+            </a:endParaRPr>
+          </a:p>
+          <a:p>
+            <a:pPr marL="287020" indent="-274320" algn="just">
+              <a:spcBef>
+                <a:spcPts val="720"/>
+              </a:spcBef>
+              <a:buClr>
+                <a:srgbClr val="E7BB29"/>
+              </a:buClr>
+              <a:buSzPct val="94230"/>
+              <a:buFont typeface="Segoe UI Symbol"/>
+              <a:buChar char="⚫"/>
+              <a:tabLst>
+                <a:tab pos="287020" algn="l"/>
+              </a:tabLst>
+            </a:pPr>
+            <a:endParaRPr lang="vi-VN" sz="2400" dirty="0">
+              <a:latin typeface="Arial"/>
+              <a:cs typeface="Arial"/>
+            </a:endParaRPr>
+          </a:p>
         </p:txBody>
       </p:sp>
     </p:spTree>
+    <p:extLst>
+      <p:ext uri="{BB962C8B-B14F-4D97-AF65-F5344CB8AC3E}">
+        <p14:creationId xmlns:p14="http://schemas.microsoft.com/office/powerpoint/2010/main" val="1783174360"/>
+      </p:ext>
+    </p:extLst>
   </p:cSld>
   <p:clrMapOvr>
     <a:masterClrMapping/>
@@ -8609,14 +8709,8 @@
       </p:grpSpPr>
       <p:sp>
         <p:nvSpPr>
-          <p:cNvPr id="2" name="Title 1">
-            <a:extLst>
-              <a:ext uri="{FF2B5EF4-FFF2-40B4-BE49-F238E27FC236}">
-                <a16:creationId xmlns:a16="http://schemas.microsoft.com/office/drawing/2014/main" id="{A3C5B857-39EA-055E-B673-6FE46E0F936F}"/>
-              </a:ext>
-            </a:extLst>
-          </p:cNvPr>
-          <p:cNvSpPr>
+          <p:cNvPr id="2" name="object 2"/>
+          <p:cNvSpPr txBox="1">
             <a:spLocks noGrp="1"/>
           </p:cNvSpPr>
           <p:nvPr>
@@ -8625,488 +8719,268 @@
         </p:nvSpPr>
         <p:spPr>
           <a:xfrm>
-            <a:off x="0" y="1054354"/>
-            <a:ext cx="12331581" cy="1538883"/>
-          </a:xfrm>
-        </p:spPr>
-        <p:txBody>
-          <a:bodyPr/>
-          <a:lstStyle/>
-          <a:p>
-            <a:r>
-              <a:rPr lang="en-US" dirty="0" err="1"/>
-              <a:t>Hệ</a:t>
-            </a:r>
-            <a:r>
-              <a:rPr lang="en-US" dirty="0"/>
-              <a:t> </a:t>
-            </a:r>
-            <a:r>
-              <a:rPr lang="en-US" dirty="0" err="1"/>
-              <a:t>thống</a:t>
-            </a:r>
-            <a:r>
-              <a:rPr lang="en-US" dirty="0"/>
-              <a:t> </a:t>
-            </a:r>
-            <a:r>
-              <a:rPr lang="en-US" dirty="0" err="1"/>
-              <a:t>nhúng</a:t>
-            </a:r>
-            <a:r>
-              <a:rPr lang="en-US" dirty="0"/>
-              <a:t> </a:t>
-            </a:r>
-            <a:r>
-              <a:rPr lang="en-US" dirty="0" err="1"/>
-              <a:t>là</a:t>
-            </a:r>
-            <a:r>
-              <a:rPr lang="en-US" dirty="0"/>
-              <a:t> </a:t>
-            </a:r>
-            <a:r>
-              <a:rPr lang="en-US" dirty="0" err="1"/>
-              <a:t>gì</a:t>
-            </a:r>
-            <a:r>
-              <a:rPr lang="en-US" dirty="0"/>
-              <a:t>(</a:t>
-            </a:r>
-            <a:r>
-              <a:rPr lang="en-US" dirty="0" err="1"/>
-              <a:t>embeddedsystems</a:t>
-            </a:r>
-            <a:r>
-              <a:rPr lang="en-US" dirty="0"/>
-              <a:t>)?</a:t>
-            </a:r>
-          </a:p>
-        </p:txBody>
-      </p:sp>
-      <p:pic>
-        <p:nvPicPr>
-          <p:cNvPr id="4" name="Picture 2" descr="The image represents the structure of embedded system">
-            <a:extLst>
-              <a:ext uri="{FF2B5EF4-FFF2-40B4-BE49-F238E27FC236}">
-                <a16:creationId xmlns:a16="http://schemas.microsoft.com/office/drawing/2014/main" id="{17A3AE1A-380D-5341-8E55-AACC6E11ED7E}"/>
-              </a:ext>
-            </a:extLst>
-          </p:cNvPr>
-          <p:cNvPicPr>
-            <a:picLocks noChangeAspect="1" noChangeArrowheads="1"/>
-          </p:cNvPicPr>
-          <p:nvPr/>
-        </p:nvPicPr>
-        <p:blipFill>
-          <a:blip r:embed="rId2">
-            <a:extLst>
-              <a:ext uri="{28A0092B-C50C-407E-A947-70E740481C1C}">
-                <a14:useLocalDpi xmlns:a14="http://schemas.microsoft.com/office/drawing/2010/main" val="0"/>
-              </a:ext>
-            </a:extLst>
-          </a:blip>
-          <a:srcRect/>
-          <a:stretch>
-            <a:fillRect/>
-          </a:stretch>
-        </p:blipFill>
-        <p:spPr bwMode="auto">
-          <a:xfrm>
-            <a:off x="7232749" y="2390577"/>
-            <a:ext cx="3496267" cy="4355212"/>
-          </a:xfrm>
-          <a:prstGeom prst="rect">
-            <a:avLst/>
-          </a:prstGeom>
-          <a:noFill/>
-          <a:extLst>
-            <a:ext uri="{909E8E84-426E-40DD-AFC4-6F175D3DCCD1}">
-              <a14:hiddenFill xmlns:a14="http://schemas.microsoft.com/office/drawing/2010/main">
-                <a:solidFill>
-                  <a:srgbClr val="FFFFFF"/>
-                </a:solidFill>
-              </a14:hiddenFill>
-            </a:ext>
-          </a:extLst>
-        </p:spPr>
-      </p:pic>
-      <p:pic>
-        <p:nvPicPr>
-          <p:cNvPr id="2050" name="Picture 2" descr="Embedded Software Development | bartleby">
-            <a:extLst>
-              <a:ext uri="{FF2B5EF4-FFF2-40B4-BE49-F238E27FC236}">
-                <a16:creationId xmlns:a16="http://schemas.microsoft.com/office/drawing/2014/main" id="{5F9046E1-A157-45F9-598A-62BE20D4AF7E}"/>
-              </a:ext>
-            </a:extLst>
-          </p:cNvPr>
-          <p:cNvPicPr>
-            <a:picLocks noChangeAspect="1" noChangeArrowheads="1"/>
-          </p:cNvPicPr>
-          <p:nvPr/>
-        </p:nvPicPr>
-        <p:blipFill>
-          <a:blip r:embed="rId3">
-            <a:extLst>
-              <a:ext uri="{28A0092B-C50C-407E-A947-70E740481C1C}">
-                <a14:useLocalDpi xmlns:a14="http://schemas.microsoft.com/office/drawing/2010/main" val="0"/>
-              </a:ext>
-            </a:extLst>
-          </a:blip>
-          <a:srcRect/>
-          <a:stretch>
-            <a:fillRect/>
-          </a:stretch>
-        </p:blipFill>
-        <p:spPr bwMode="auto">
-          <a:xfrm>
-            <a:off x="196893" y="1898858"/>
-            <a:ext cx="5073554" cy="4731812"/>
-          </a:xfrm>
-          <a:prstGeom prst="rect">
-            <a:avLst/>
-          </a:prstGeom>
-          <a:noFill/>
-          <a:extLst>
-            <a:ext uri="{909E8E84-426E-40DD-AFC4-6F175D3DCCD1}">
-              <a14:hiddenFill xmlns:a14="http://schemas.microsoft.com/office/drawing/2010/main">
-                <a:solidFill>
-                  <a:srgbClr val="FFFFFF"/>
-                </a:solidFill>
-              </a14:hiddenFill>
-            </a:ext>
-          </a:extLst>
-        </p:spPr>
-      </p:pic>
-      <p:sp>
-        <p:nvSpPr>
-          <p:cNvPr id="6" name="Text Placeholder 2">
-            <a:extLst>
-              <a:ext uri="{FF2B5EF4-FFF2-40B4-BE49-F238E27FC236}">
-                <a16:creationId xmlns:a16="http://schemas.microsoft.com/office/drawing/2014/main" id="{4CA361F5-5C02-64F6-58C8-8268408E5B2E}"/>
-              </a:ext>
-            </a:extLst>
-          </p:cNvPr>
-          <p:cNvSpPr txBox="1">
-            <a:spLocks/>
-          </p:cNvSpPr>
-          <p:nvPr/>
-        </p:nvSpPr>
-        <p:spPr>
-          <a:xfrm>
-            <a:off x="6873012" y="1983502"/>
-            <a:ext cx="4604403" cy="400110"/>
+            <a:off x="153824" y="1054354"/>
+            <a:ext cx="12126481" cy="782907"/>
           </a:xfrm>
           <a:prstGeom prst="rect">
             <a:avLst/>
           </a:prstGeom>
         </p:spPr>
         <p:txBody>
-          <a:bodyPr wrap="square" lIns="0" tIns="0" rIns="0" bIns="0">
+          <a:bodyPr vert="horz" wrap="square" lIns="0" tIns="13335" rIns="0" bIns="0" rtlCol="0">
             <a:spAutoFit/>
           </a:bodyPr>
-          <a:lstStyle>
-            <a:lvl1pPr marL="0">
-              <a:defRPr sz="2600" b="0" i="0">
-                <a:solidFill>
-                  <a:schemeClr val="tx1"/>
-                </a:solidFill>
+          <a:lstStyle/>
+          <a:p>
+            <a:pPr marL="12700" algn="l">
+              <a:spcBef>
+                <a:spcPts val="105"/>
+              </a:spcBef>
+            </a:pPr>
+            <a:r>
+              <a:rPr lang="vi-VN" spc="-20" dirty="0"/>
+              <a:t>Mục tiêu</a:t>
+            </a:r>
+            <a:endParaRPr spc="-20" dirty="0"/>
+          </a:p>
+        </p:txBody>
+      </p:sp>
+      <p:sp>
+        <p:nvSpPr>
+          <p:cNvPr id="3" name="object 3"/>
+          <p:cNvSpPr txBox="1"/>
+          <p:nvPr/>
+        </p:nvSpPr>
+        <p:spPr>
+          <a:xfrm>
+            <a:off x="974623" y="1837261"/>
+            <a:ext cx="7348220" cy="4873129"/>
+          </a:xfrm>
+          <a:prstGeom prst="rect">
+            <a:avLst/>
+          </a:prstGeom>
+        </p:spPr>
+        <p:txBody>
+          <a:bodyPr vert="horz" wrap="square" lIns="0" tIns="91440" rIns="0" bIns="0" rtlCol="0">
+            <a:spAutoFit/>
+          </a:bodyPr>
+          <a:lstStyle/>
+          <a:p>
+            <a:pPr marL="287020" indent="-274320">
+              <a:spcBef>
+                <a:spcPts val="720"/>
+              </a:spcBef>
+              <a:buClr>
+                <a:srgbClr val="E7BB29"/>
+              </a:buClr>
+              <a:buSzPct val="94230"/>
+              <a:buFont typeface="Segoe UI Symbol"/>
+              <a:buChar char="⚫"/>
+              <a:tabLst>
+                <a:tab pos="287020" algn="l"/>
+              </a:tabLst>
+            </a:pPr>
+            <a:r>
+              <a:rPr lang="vi-VN" sz="2400" dirty="0">
                 <a:latin typeface="Arial"/>
-                <a:ea typeface="+mn-ea"/>
                 <a:cs typeface="Arial"/>
-              </a:defRPr>
-            </a:lvl1pPr>
-            <a:lvl2pPr marL="457200">
-              <a:defRPr>
-                <a:latin typeface="+mn-lt"/>
-                <a:ea typeface="+mn-ea"/>
-                <a:cs typeface="+mn-cs"/>
-              </a:defRPr>
-            </a:lvl2pPr>
-            <a:lvl3pPr marL="914400">
-              <a:defRPr>
-                <a:latin typeface="+mn-lt"/>
-                <a:ea typeface="+mn-ea"/>
-                <a:cs typeface="+mn-cs"/>
-              </a:defRPr>
-            </a:lvl3pPr>
-            <a:lvl4pPr marL="1371600">
-              <a:defRPr>
-                <a:latin typeface="+mn-lt"/>
-                <a:ea typeface="+mn-ea"/>
-                <a:cs typeface="+mn-cs"/>
-              </a:defRPr>
-            </a:lvl4pPr>
-            <a:lvl5pPr marL="1828800">
-              <a:defRPr>
-                <a:latin typeface="+mn-lt"/>
-                <a:ea typeface="+mn-ea"/>
-                <a:cs typeface="+mn-cs"/>
-              </a:defRPr>
-            </a:lvl5pPr>
-            <a:lvl6pPr marL="2286000">
-              <a:defRPr>
-                <a:latin typeface="+mn-lt"/>
-                <a:ea typeface="+mn-ea"/>
-                <a:cs typeface="+mn-cs"/>
-              </a:defRPr>
-            </a:lvl6pPr>
-            <a:lvl7pPr marL="2743200">
-              <a:defRPr>
-                <a:latin typeface="+mn-lt"/>
-                <a:ea typeface="+mn-ea"/>
-                <a:cs typeface="+mn-cs"/>
-              </a:defRPr>
-            </a:lvl7pPr>
-            <a:lvl8pPr marL="3200400">
-              <a:defRPr>
-                <a:latin typeface="+mn-lt"/>
-                <a:ea typeface="+mn-ea"/>
-                <a:cs typeface="+mn-cs"/>
-              </a:defRPr>
-            </a:lvl8pPr>
-            <a:lvl9pPr marL="3657600">
-              <a:defRPr>
-                <a:latin typeface="+mn-lt"/>
-                <a:ea typeface="+mn-ea"/>
-                <a:cs typeface="+mn-cs"/>
-              </a:defRPr>
-            </a:lvl9pPr>
-          </a:lstStyle>
-          <a:p>
-            <a:r>
-              <a:rPr lang="vi-VN" kern="0" dirty="0"/>
-              <a:t>Các phần của hệ thống nhúng</a:t>
-            </a:r>
-            <a:endParaRPr lang="en-US" kern="0" dirty="0"/>
+              </a:rPr>
+              <a:t>Hoàn thành C nhúng(mọi người đều hiểu và vượt qua bài test).</a:t>
+            </a:r>
+          </a:p>
+          <a:p>
+            <a:pPr marL="287020" indent="-274320">
+              <a:spcBef>
+                <a:spcPts val="720"/>
+              </a:spcBef>
+              <a:buClr>
+                <a:srgbClr val="E7BB29"/>
+              </a:buClr>
+              <a:buSzPct val="94230"/>
+              <a:buFont typeface="Segoe UI Symbol"/>
+              <a:buChar char="⚫"/>
+              <a:tabLst>
+                <a:tab pos="287020" algn="l"/>
+              </a:tabLst>
+            </a:pPr>
+            <a:r>
+              <a:rPr lang="vi-VN" sz="2400" dirty="0">
+                <a:latin typeface="Arial"/>
+                <a:cs typeface="Arial"/>
+              </a:rPr>
+              <a:t>Làm một project nhỏ(cái này mọi người có thể tự nghĩ học anh nghĩ hộ).</a:t>
+            </a:r>
+          </a:p>
+          <a:p>
+            <a:pPr marL="287020" indent="-274320">
+              <a:spcBef>
+                <a:spcPts val="720"/>
+              </a:spcBef>
+              <a:buClr>
+                <a:srgbClr val="E7BB29"/>
+              </a:buClr>
+              <a:buSzPct val="94230"/>
+              <a:buFont typeface="Segoe UI Symbol"/>
+              <a:buChar char="⚫"/>
+              <a:tabLst>
+                <a:tab pos="287020" algn="l"/>
+              </a:tabLst>
+            </a:pPr>
+            <a:r>
+              <a:rPr lang="vi-VN" sz="2400" dirty="0">
+                <a:latin typeface="Arial"/>
+                <a:cs typeface="Arial"/>
+              </a:rPr>
+              <a:t>Thành thạo sử dụng:</a:t>
+            </a:r>
+          </a:p>
+          <a:p>
+            <a:pPr marL="744220" lvl="1" indent="-274320">
+              <a:spcBef>
+                <a:spcPts val="720"/>
+              </a:spcBef>
+              <a:buClr>
+                <a:srgbClr val="E7BB29"/>
+              </a:buClr>
+              <a:buSzPct val="94230"/>
+              <a:buFont typeface="Segoe UI Symbol"/>
+              <a:buChar char="⚫"/>
+              <a:tabLst>
+                <a:tab pos="287020" algn="l"/>
+              </a:tabLst>
+            </a:pPr>
+            <a:r>
+              <a:rPr lang="vi-VN" sz="2400" dirty="0">
+                <a:latin typeface="Arial"/>
+                <a:cs typeface="Arial"/>
+              </a:rPr>
+              <a:t>Ubuntu command line.</a:t>
+            </a:r>
+          </a:p>
+          <a:p>
+            <a:pPr marL="744220" lvl="1" indent="-274320">
+              <a:spcBef>
+                <a:spcPts val="720"/>
+              </a:spcBef>
+              <a:buClr>
+                <a:srgbClr val="E7BB29"/>
+              </a:buClr>
+              <a:buSzPct val="94230"/>
+              <a:buFont typeface="Segoe UI Symbol"/>
+              <a:buChar char="⚫"/>
+              <a:tabLst>
+                <a:tab pos="287020" algn="l"/>
+              </a:tabLst>
+            </a:pPr>
+            <a:r>
+              <a:rPr lang="vi-VN" sz="2400" dirty="0">
+                <a:latin typeface="Arial"/>
+                <a:cs typeface="Arial"/>
+              </a:rPr>
+              <a:t>Github Destop.</a:t>
+            </a:r>
+          </a:p>
+          <a:p>
+            <a:pPr marL="744220" lvl="1" indent="-274320">
+              <a:spcBef>
+                <a:spcPts val="720"/>
+              </a:spcBef>
+              <a:buClr>
+                <a:srgbClr val="E7BB29"/>
+              </a:buClr>
+              <a:buSzPct val="94230"/>
+              <a:buFont typeface="Segoe UI Symbol"/>
+              <a:buChar char="⚫"/>
+              <a:tabLst>
+                <a:tab pos="287020" algn="l"/>
+              </a:tabLst>
+            </a:pPr>
+            <a:r>
+              <a:rPr lang="vi-VN" sz="2400" dirty="0">
+                <a:latin typeface="Arial"/>
+                <a:cs typeface="Arial"/>
+              </a:rPr>
+              <a:t>Aruino IDE.</a:t>
+            </a:r>
+          </a:p>
+          <a:p>
+            <a:pPr marL="744220" lvl="1" indent="-274320">
+              <a:spcBef>
+                <a:spcPts val="720"/>
+              </a:spcBef>
+              <a:buClr>
+                <a:srgbClr val="E7BB29"/>
+              </a:buClr>
+              <a:buSzPct val="94230"/>
+              <a:buFont typeface="Segoe UI Symbol"/>
+              <a:buChar char="⚫"/>
+              <a:tabLst>
+                <a:tab pos="287020" algn="l"/>
+              </a:tabLst>
+            </a:pPr>
+            <a:r>
+              <a:rPr lang="vi-VN" sz="2400" dirty="0">
+                <a:latin typeface="Arial"/>
+                <a:cs typeface="Arial"/>
+              </a:rPr>
+              <a:t>Gcc, Makefile.</a:t>
+            </a:r>
+          </a:p>
+          <a:p>
+            <a:pPr marL="744220" lvl="1" indent="-274320">
+              <a:spcBef>
+                <a:spcPts val="720"/>
+              </a:spcBef>
+              <a:buClr>
+                <a:srgbClr val="E7BB29"/>
+              </a:buClr>
+              <a:buSzPct val="94230"/>
+              <a:buFont typeface="Segoe UI Symbol"/>
+              <a:buChar char="⚫"/>
+              <a:tabLst>
+                <a:tab pos="287020" algn="l"/>
+              </a:tabLst>
+            </a:pPr>
+            <a:r>
+              <a:rPr lang="vi-VN" sz="2400" dirty="0">
+                <a:latin typeface="Arial"/>
+                <a:cs typeface="Arial"/>
+              </a:rPr>
+              <a:t>Proteus.</a:t>
+            </a:r>
+          </a:p>
+          <a:p>
+            <a:pPr marL="744220" lvl="1" indent="-274320">
+              <a:spcBef>
+                <a:spcPts val="720"/>
+              </a:spcBef>
+              <a:buClr>
+                <a:srgbClr val="E7BB29"/>
+              </a:buClr>
+              <a:buSzPct val="94230"/>
+              <a:buFont typeface="Segoe UI Symbol"/>
+              <a:buChar char="⚫"/>
+              <a:tabLst>
+                <a:tab pos="287020" algn="l"/>
+              </a:tabLst>
+            </a:pPr>
+            <a:endParaRPr lang="vi-VN" sz="2400" dirty="0">
+              <a:latin typeface="Arial"/>
+              <a:cs typeface="Arial"/>
+            </a:endParaRPr>
           </a:p>
         </p:txBody>
       </p:sp>
     </p:spTree>
     <p:extLst>
       <p:ext uri="{BB962C8B-B14F-4D97-AF65-F5344CB8AC3E}">
-        <p14:creationId xmlns:p14="http://schemas.microsoft.com/office/powerpoint/2010/main" val="838437007"/>
+        <p14:creationId xmlns:p14="http://schemas.microsoft.com/office/powerpoint/2010/main" val="3310282889"/>
       </p:ext>
     </p:extLst>
   </p:cSld>
   <p:clrMapOvr>
     <a:masterClrMapping/>
   </p:clrMapOvr>
-  <p:timing>
-    <p:tnLst>
-      <p:par>
-        <p:cTn id="1" dur="indefinite" restart="never" nodeType="tmRoot">
-          <p:childTnLst>
-            <p:seq concurrent="1" nextAc="seek">
-              <p:cTn id="2" dur="indefinite" nodeType="mainSeq">
-                <p:childTnLst>
-                  <p:par>
-                    <p:cTn id="3" fill="hold">
-                      <p:stCondLst>
-                        <p:cond delay="indefinite"/>
-                        <p:cond evt="onBegin" delay="0">
-                          <p:tn val="2"/>
-                        </p:cond>
-                      </p:stCondLst>
-                      <p:childTnLst>
-                        <p:par>
-                          <p:cTn id="4" fill="hold">
-                            <p:stCondLst>
-                              <p:cond delay="0"/>
-                            </p:stCondLst>
-                            <p:childTnLst>
-                              <p:par>
-                                <p:cTn id="5" presetID="2" presetClass="entr" presetSubtype="4" fill="hold" nodeType="withEffect">
-                                  <p:stCondLst>
-                                    <p:cond delay="0"/>
-                                  </p:stCondLst>
-                                  <p:childTnLst>
-                                    <p:set>
-                                      <p:cBhvr>
-                                        <p:cTn id="6" dur="1" fill="hold">
-                                          <p:stCondLst>
-                                            <p:cond delay="0"/>
-                                          </p:stCondLst>
-                                        </p:cTn>
-                                        <p:tgtEl>
-                                          <p:spTgt spid="2050"/>
-                                        </p:tgtEl>
-                                        <p:attrNameLst>
-                                          <p:attrName>style.visibility</p:attrName>
-                                        </p:attrNameLst>
-                                      </p:cBhvr>
-                                      <p:to>
-                                        <p:strVal val="visible"/>
-                                      </p:to>
-                                    </p:set>
-                                    <p:anim calcmode="lin" valueType="num">
-                                      <p:cBhvr additive="base">
-                                        <p:cTn id="7" dur="500" fill="hold"/>
-                                        <p:tgtEl>
-                                          <p:spTgt spid="2050"/>
-                                        </p:tgtEl>
-                                        <p:attrNameLst>
-                                          <p:attrName>ppt_x</p:attrName>
-                                        </p:attrNameLst>
-                                      </p:cBhvr>
-                                      <p:tavLst>
-                                        <p:tav tm="0">
-                                          <p:val>
-                                            <p:strVal val="#ppt_x"/>
-                                          </p:val>
-                                        </p:tav>
-                                        <p:tav tm="100000">
-                                          <p:val>
-                                            <p:strVal val="#ppt_x"/>
-                                          </p:val>
-                                        </p:tav>
-                                      </p:tavLst>
-                                    </p:anim>
-                                    <p:anim calcmode="lin" valueType="num">
-                                      <p:cBhvr additive="base">
-                                        <p:cTn id="8" dur="500" fill="hold"/>
-                                        <p:tgtEl>
-                                          <p:spTgt spid="2050"/>
-                                        </p:tgtEl>
-                                        <p:attrNameLst>
-                                          <p:attrName>ppt_y</p:attrName>
-                                        </p:attrNameLst>
-                                      </p:cBhvr>
-                                      <p:tavLst>
-                                        <p:tav tm="0">
-                                          <p:val>
-                                            <p:strVal val="1+#ppt_h/2"/>
-                                          </p:val>
-                                        </p:tav>
-                                        <p:tav tm="100000">
-                                          <p:val>
-                                            <p:strVal val="#ppt_y"/>
-                                          </p:val>
-                                        </p:tav>
-                                      </p:tavLst>
-                                    </p:anim>
-                                  </p:childTnLst>
-                                </p:cTn>
-                              </p:par>
-                            </p:childTnLst>
-                          </p:cTn>
-                        </p:par>
-                      </p:childTnLst>
-                    </p:cTn>
-                  </p:par>
-                  <p:par>
-                    <p:cTn id="9" fill="hold">
-                      <p:stCondLst>
-                        <p:cond delay="indefinite"/>
-                      </p:stCondLst>
-                      <p:childTnLst>
-                        <p:par>
-                          <p:cTn id="10" fill="hold">
-                            <p:stCondLst>
-                              <p:cond delay="0"/>
-                            </p:stCondLst>
-                            <p:childTnLst>
-                              <p:par>
-                                <p:cTn id="11" presetID="16" presetClass="entr" presetSubtype="21" fill="hold" grpId="0" nodeType="clickEffect">
-                                  <p:stCondLst>
-                                    <p:cond delay="0"/>
-                                  </p:stCondLst>
-                                  <p:childTnLst>
-                                    <p:set>
-                                      <p:cBhvr>
-                                        <p:cTn id="12" dur="1" fill="hold">
-                                          <p:stCondLst>
-                                            <p:cond delay="0"/>
-                                          </p:stCondLst>
-                                        </p:cTn>
-                                        <p:tgtEl>
-                                          <p:spTgt spid="6"/>
-                                        </p:tgtEl>
-                                        <p:attrNameLst>
-                                          <p:attrName>style.visibility</p:attrName>
-                                        </p:attrNameLst>
-                                      </p:cBhvr>
-                                      <p:to>
-                                        <p:strVal val="visible"/>
-                                      </p:to>
-                                    </p:set>
-                                    <p:animEffect transition="in" filter="barn(inVertical)">
-                                      <p:cBhvr>
-                                        <p:cTn id="13" dur="500"/>
-                                        <p:tgtEl>
-                                          <p:spTgt spid="6"/>
-                                        </p:tgtEl>
-                                      </p:cBhvr>
-                                    </p:animEffect>
-                                  </p:childTnLst>
-                                </p:cTn>
-                              </p:par>
-                              <p:par>
-                                <p:cTn id="14" presetID="16" presetClass="entr" presetSubtype="21" fill="hold" nodeType="withEffect">
-                                  <p:stCondLst>
-                                    <p:cond delay="0"/>
-                                  </p:stCondLst>
-                                  <p:childTnLst>
-                                    <p:set>
-                                      <p:cBhvr>
-                                        <p:cTn id="15" dur="1" fill="hold">
-                                          <p:stCondLst>
-                                            <p:cond delay="0"/>
-                                          </p:stCondLst>
-                                        </p:cTn>
-                                        <p:tgtEl>
-                                          <p:spTgt spid="4"/>
-                                        </p:tgtEl>
-                                        <p:attrNameLst>
-                                          <p:attrName>style.visibility</p:attrName>
-                                        </p:attrNameLst>
-                                      </p:cBhvr>
-                                      <p:to>
-                                        <p:strVal val="visible"/>
-                                      </p:to>
-                                    </p:set>
-                                    <p:animEffect transition="in" filter="barn(inVertical)">
-                                      <p:cBhvr>
-                                        <p:cTn id="16" dur="500"/>
-                                        <p:tgtEl>
-                                          <p:spTgt spid="4"/>
-                                        </p:tgtEl>
-                                      </p:cBhvr>
-                                    </p:animEffect>
-                                  </p:childTnLst>
-                                </p:cTn>
-                              </p:par>
-                            </p:childTnLst>
-                          </p:cTn>
-                        </p:par>
-                      </p:childTnLst>
-                    </p:cTn>
-                  </p:par>
-                </p:childTnLst>
-              </p:cTn>
-              <p:prevCondLst>
-                <p:cond evt="onPrev" delay="0">
-                  <p:tgtEl>
-                    <p:sldTgt/>
-                  </p:tgtEl>
-                </p:cond>
-              </p:prevCondLst>
-              <p:nextCondLst>
-                <p:cond evt="onNext" delay="0">
-                  <p:tgtEl>
-                    <p:sldTgt/>
-                  </p:tgtEl>
-                </p:cond>
-              </p:nextCondLst>
-            </p:seq>
-          </p:childTnLst>
-        </p:cTn>
-      </p:par>
-    </p:tnLst>
-    <p:bldLst>
-      <p:bldP spid="6" grpId="0"/>
-    </p:bldLst>
-  </p:timing>
 </p:sld>
 </file>
 
@@ -17141,52 +17015,8 @@
               </a:spcBef>
             </a:pPr>
             <a:r>
-              <a:rPr lang="en-US" dirty="0" err="1"/>
-              <a:t>Hệ</a:t>
-            </a:r>
-            <a:r>
-              <a:rPr lang="en-US" dirty="0"/>
-              <a:t> </a:t>
-            </a:r>
-            <a:r>
-              <a:rPr lang="en-US" dirty="0" err="1"/>
-              <a:t>thống</a:t>
-            </a:r>
-            <a:r>
-              <a:rPr lang="en-US" dirty="0"/>
-              <a:t> </a:t>
-            </a:r>
-            <a:r>
-              <a:rPr lang="en-US" dirty="0" err="1"/>
-              <a:t>nhúng</a:t>
-            </a:r>
-            <a:r>
-              <a:rPr lang="en-US" dirty="0"/>
-              <a:t> </a:t>
-            </a:r>
-            <a:r>
-              <a:rPr lang="en-US" dirty="0" err="1"/>
-              <a:t>là</a:t>
-            </a:r>
-            <a:r>
-              <a:rPr lang="en-US" dirty="0"/>
-              <a:t> </a:t>
-            </a:r>
-            <a:r>
-              <a:rPr lang="en-US" dirty="0" err="1"/>
-              <a:t>gì</a:t>
-            </a:r>
-            <a:r>
-              <a:rPr lang="en-US" dirty="0"/>
-              <a:t>(</a:t>
-            </a:r>
-            <a:r>
-              <a:rPr lang="en-US" dirty="0" err="1"/>
-              <a:t>embeddedsystems</a:t>
-            </a:r>
-            <a:r>
-              <a:rPr lang="en-US" dirty="0"/>
-              <a:t>)?</a:t>
+              <a:rPr lang="vi-VN" spc="-20" dirty="0"/>
+              <a:t>Phần mềm sử dụng trong quá trình học</a:t>
             </a:r>
             <a:endParaRPr spc="-20" dirty="0"/>
           </a:p>
@@ -17200,8 +17030,8 @@
         </p:nvSpPr>
         <p:spPr>
           <a:xfrm>
-            <a:off x="1085718" y="2281555"/>
-            <a:ext cx="10562199" cy="3108543"/>
+            <a:off x="948985" y="1837261"/>
+            <a:ext cx="7348220" cy="2298065"/>
           </a:xfrm>
           <a:prstGeom prst="rect">
             <a:avLst/>
@@ -17213,7 +17043,7 @@
           </a:bodyPr>
           <a:lstStyle/>
           <a:p>
-            <a:pPr marL="287020" indent="-274320" algn="just">
+            <a:pPr marL="287020" indent="-274320">
               <a:spcBef>
                 <a:spcPts val="720"/>
               </a:spcBef>
@@ -17228,17 +17058,17 @@
               </a:tabLst>
             </a:pPr>
             <a:r>
-              <a:rPr lang="vi-VN" sz="2600" dirty="0">
+              <a:rPr lang="vi-VN" sz="2400" dirty="0">
                 <a:latin typeface="Arial"/>
                 <a:cs typeface="Arial"/>
               </a:rPr>
-              <a:t>Hệ thống nhúng là hệ thống máy tính có chức năng dành riêng, chuyên biệt cho một công việc gì đó cụ thể. Nó khác với các hệ thống máy tính đa dụng có thể làm nhiều việc cùng lúc.</a:t>
-            </a:r>
-          </a:p>
-          <a:p>
-            <a:pPr marL="287020" indent="-274320" algn="just">
-              <a:spcBef>
-                <a:spcPts val="625"/>
+              <a:t>Notepad++</a:t>
+            </a:r>
+          </a:p>
+          <a:p>
+            <a:pPr marL="287020" indent="-274320">
+              <a:spcBef>
+                <a:spcPts val="720"/>
               </a:spcBef>
               <a:buClr>
                 <a:srgbClr val="E7BB29"/>
@@ -17251,84 +17081,26 @@
               </a:tabLst>
             </a:pPr>
             <a:r>
-              <a:rPr lang="en-US" sz="2600" dirty="0" err="1">
-                <a:latin typeface="Arial"/>
-                <a:cs typeface="Arial"/>
-              </a:rPr>
-              <a:t>Đặc</a:t>
-            </a:r>
-            <a:r>
-              <a:rPr lang="en-US" sz="2600" dirty="0">
-                <a:latin typeface="Arial"/>
-                <a:cs typeface="Arial"/>
-              </a:rPr>
-              <a:t> </a:t>
-            </a:r>
-            <a:r>
-              <a:rPr lang="en-US" sz="2600" dirty="0" err="1">
-                <a:latin typeface="Arial"/>
-                <a:cs typeface="Arial"/>
-              </a:rPr>
-              <a:t>tính</a:t>
-            </a:r>
-            <a:r>
-              <a:rPr lang="en-US" sz="2600" dirty="0">
-                <a:latin typeface="Arial"/>
-                <a:cs typeface="Arial"/>
-              </a:rPr>
-              <a:t> </a:t>
-            </a:r>
-            <a:r>
-              <a:rPr lang="en-US" sz="2600" dirty="0" err="1">
-                <a:latin typeface="Arial"/>
-                <a:cs typeface="Arial"/>
-              </a:rPr>
-              <a:t>chung</a:t>
-            </a:r>
-            <a:r>
-              <a:rPr lang="en-US" sz="2600" dirty="0">
-                <a:latin typeface="Arial"/>
-                <a:cs typeface="Arial"/>
-              </a:rPr>
-              <a:t>:</a:t>
-            </a:r>
-          </a:p>
-          <a:p>
-            <a:pPr marL="652780" lvl="1" indent="-247650" algn="just">
-              <a:spcBef>
-                <a:spcPts val="585"/>
-              </a:spcBef>
-              <a:buClr>
-                <a:srgbClr val="A4B592"/>
-              </a:buClr>
-              <a:buSzPct val="85416"/>
-              <a:buFont typeface="Segoe UI Symbol"/>
-              <a:buChar char="⚫"/>
-              <a:tabLst>
-                <a:tab pos="653415" algn="l"/>
-              </a:tabLst>
-            </a:pPr>
-            <a:r>
               <a:rPr lang="vi-VN" sz="2400" dirty="0">
                 <a:latin typeface="Arial"/>
                 <a:cs typeface="Arial"/>
               </a:rPr>
-              <a:t>Kích thước của hệ thống nhỏ hơn</a:t>
-            </a:r>
-          </a:p>
-          <a:p>
-            <a:pPr marL="652780" lvl="1" indent="-247650" algn="just">
-              <a:spcBef>
-                <a:spcPts val="580"/>
+              <a:t>Visual studio code</a:t>
+            </a:r>
+          </a:p>
+          <a:p>
+            <a:pPr marL="287020" indent="-274320">
+              <a:spcBef>
+                <a:spcPts val="720"/>
               </a:spcBef>
               <a:buClr>
-                <a:srgbClr val="A4B592"/>
+                <a:srgbClr val="E7BB29"/>
               </a:buClr>
-              <a:buSzPct val="85416"/>
+              <a:buSzPct val="94230"/>
               <a:buFont typeface="Segoe UI Symbol"/>
               <a:buChar char="⚫"/>
               <a:tabLst>
-                <a:tab pos="653415" algn="l"/>
+                <a:tab pos="287020" algn="l"/>
               </a:tabLst>
             </a:pPr>
             <a:r>
@@ -17336,26 +17108,22 @@
                 <a:latin typeface="Arial"/>
                 <a:cs typeface="Arial"/>
               </a:rPr>
-              <a:t>Giá thành rẻ hơn</a:t>
-            </a:r>
-            <a:endParaRPr sz="2400" dirty="0">
-              <a:latin typeface="Arial"/>
-              <a:cs typeface="Arial"/>
-            </a:endParaRPr>
-          </a:p>
-          <a:p>
-            <a:pPr marL="652780" lvl="1" indent="-247650" algn="just">
-              <a:spcBef>
-                <a:spcPts val="575"/>
+              <a:t>Ubuntu(cài trên microsoft store win)</a:t>
+            </a:r>
+          </a:p>
+          <a:p>
+            <a:pPr marL="287020" indent="-274320">
+              <a:spcBef>
+                <a:spcPts val="720"/>
               </a:spcBef>
               <a:buClr>
-                <a:srgbClr val="A4B592"/>
+                <a:srgbClr val="E7BB29"/>
               </a:buClr>
-              <a:buSzPct val="85416"/>
+              <a:buSzPct val="94230"/>
               <a:buFont typeface="Segoe UI Symbol"/>
               <a:buChar char="⚫"/>
               <a:tabLst>
-                <a:tab pos="653415" algn="l"/>
+                <a:tab pos="287020" algn="l"/>
               </a:tabLst>
             </a:pPr>
             <a:r>
@@ -17363,19 +17131,38 @@
                 <a:latin typeface="Arial"/>
                 <a:cs typeface="Arial"/>
               </a:rPr>
-              <a:t>Tiêu thụ ít năng lượng</a:t>
-            </a:r>
-            <a:endParaRPr sz="2400" dirty="0">
-              <a:latin typeface="Arial"/>
-              <a:cs typeface="Arial"/>
-            </a:endParaRPr>
+              <a:t>Aruino IDE</a:t>
+            </a:r>
+          </a:p>
+          <a:p>
+            <a:pPr marL="287020" indent="-274320">
+              <a:spcBef>
+                <a:spcPts val="720"/>
+              </a:spcBef>
+              <a:buClr>
+                <a:srgbClr val="E7BB29"/>
+              </a:buClr>
+              <a:buSzPct val="94230"/>
+              <a:buFont typeface="Segoe UI Symbol"/>
+              <a:buChar char="⚫"/>
+              <a:tabLst>
+                <a:tab pos="287020" algn="l"/>
+              </a:tabLst>
+            </a:pPr>
+            <a:r>
+              <a:rPr lang="vi-VN" sz="2400" dirty="0">
+                <a:latin typeface="Arial"/>
+                <a:cs typeface="Arial"/>
+              </a:rPr>
+              <a:t>Github desktop</a:t>
+            </a:r>
           </a:p>
         </p:txBody>
       </p:sp>
     </p:spTree>
     <p:extLst>
       <p:ext uri="{BB962C8B-B14F-4D97-AF65-F5344CB8AC3E}">
-        <p14:creationId xmlns:p14="http://schemas.microsoft.com/office/powerpoint/2010/main" val="1917210451"/>
+        <p14:creationId xmlns:p14="http://schemas.microsoft.com/office/powerpoint/2010/main" val="493359022"/>
       </p:ext>
     </p:extLst>
   </p:cSld>
@@ -17434,7 +17221,7 @@
             </a:pPr>
             <a:r>
               <a:rPr lang="en-US" dirty="0" err="1"/>
-              <a:t>Ngôn</a:t>
+              <a:t>Hệ</a:t>
             </a:r>
             <a:r>
               <a:rPr lang="en-US" dirty="0"/>
@@ -17442,7 +17229,7 @@
             </a:r>
             <a:r>
               <a:rPr lang="en-US" dirty="0" err="1"/>
-              <a:t>ngữ</a:t>
+              <a:t>thống</a:t>
             </a:r>
             <a:r>
               <a:rPr lang="en-US" dirty="0"/>
@@ -17450,7 +17237,7 @@
             </a:r>
             <a:r>
               <a:rPr lang="en-US" dirty="0" err="1"/>
-              <a:t>lập</a:t>
+              <a:t>nhúng</a:t>
             </a:r>
             <a:r>
               <a:rPr lang="en-US" dirty="0"/>
@@ -17458,7 +17245,7 @@
             </a:r>
             <a:r>
               <a:rPr lang="en-US" dirty="0" err="1"/>
-              <a:t>trình</a:t>
+              <a:t>là</a:t>
             </a:r>
             <a:r>
               <a:rPr lang="en-US" dirty="0"/>
@@ -17466,33 +17253,21 @@
             </a:r>
             <a:r>
               <a:rPr lang="en-US" dirty="0" err="1"/>
-              <a:t>cho</a:t>
+              <a:t>gì</a:t>
             </a:r>
             <a:r>
               <a:rPr lang="en-US" dirty="0"/>
-              <a:t> </a:t>
+              <a:t>(</a:t>
             </a:r>
             <a:r>
               <a:rPr lang="en-US" dirty="0" err="1"/>
-              <a:t>Hệ</a:t>
+              <a:t>embeddedsystems</a:t>
             </a:r>
             <a:r>
               <a:rPr lang="en-US" dirty="0"/>
-              <a:t> </a:t>
-            </a:r>
-            <a:r>
-              <a:rPr lang="en-US" dirty="0" err="1"/>
-              <a:t>thống</a:t>
-            </a:r>
-            <a:r>
-              <a:rPr lang="en-US" dirty="0"/>
-              <a:t> </a:t>
-            </a:r>
-            <a:r>
-              <a:rPr lang="en-US" dirty="0" err="1"/>
-              <a:t>nhúng</a:t>
-            </a:r>
-            <a:endParaRPr lang="en-US" spc="-20" dirty="0"/>
+              <a:t>)?</a:t>
+            </a:r>
+            <a:endParaRPr spc="-20" dirty="0"/>
           </a:p>
         </p:txBody>
       </p:sp>
@@ -17504,8 +17279,8 @@
         </p:nvSpPr>
         <p:spPr>
           <a:xfrm>
-            <a:off x="343899" y="2161914"/>
-            <a:ext cx="4169945" cy="1936428"/>
+            <a:off x="1085719" y="2281555"/>
+            <a:ext cx="7348220" cy="3508653"/>
           </a:xfrm>
           <a:prstGeom prst="rect">
             <a:avLst/>
@@ -17536,13 +17311,13 @@
                 <a:latin typeface="Arial"/>
                 <a:cs typeface="Arial"/>
               </a:rPr>
-              <a:t>C và C++ (phổ biến nhất)</a:t>
+              <a:t>Hệ thống nhúng là hệ thống máy tính có chức năng dành riêng, chuyên biệt cho một công việc gì đó cụ thể. Nó khác với các hệ thống máy tính đa dụng có thể làm nhiều việc cùng lúc.</a:t>
             </a:r>
           </a:p>
           <a:p>
             <a:pPr marL="287020" indent="-274320">
               <a:spcBef>
-                <a:spcPts val="720"/>
+                <a:spcPts val="625"/>
               </a:spcBef>
               <a:buClr>
                 <a:srgbClr val="E7BB29"/>
@@ -17555,105 +17330,128 @@
               </a:tabLst>
             </a:pPr>
             <a:r>
-              <a:rPr lang="vi-VN" sz="2600" dirty="0">
+              <a:rPr lang="en-US" sz="2600" dirty="0" err="1">
                 <a:latin typeface="Arial"/>
                 <a:cs typeface="Arial"/>
               </a:rPr>
-              <a:t>Assembly</a:t>
-            </a:r>
-          </a:p>
-          <a:p>
-            <a:pPr marL="287020" indent="-274320">
-              <a:spcBef>
-                <a:spcPts val="625"/>
-              </a:spcBef>
-              <a:buClr>
-                <a:srgbClr val="E7BB29"/>
-              </a:buClr>
-              <a:buSzPct val="94230"/>
-              <a:buFont typeface="Segoe UI Symbol"/>
-              <a:buChar char="⚫"/>
-              <a:tabLst>
-                <a:tab pos="287020" algn="l"/>
-              </a:tabLst>
-            </a:pPr>
+              <a:t>Đặc</a:t>
+            </a:r>
             <a:r>
               <a:rPr lang="en-US" sz="2600" dirty="0">
                 <a:latin typeface="Arial"/>
                 <a:cs typeface="Arial"/>
               </a:rPr>
-              <a:t>Python</a:t>
-            </a:r>
-            <a:endParaRPr lang="vi-VN" sz="2600" dirty="0">
-              <a:latin typeface="Arial"/>
-              <a:cs typeface="Arial"/>
-            </a:endParaRPr>
-          </a:p>
-          <a:p>
-            <a:pPr marL="287020" indent="-274320">
-              <a:spcBef>
-                <a:spcPts val="625"/>
+              <a:t> </a:t>
+            </a:r>
+            <a:r>
+              <a:rPr lang="en-US" sz="2600" dirty="0" err="1">
+                <a:latin typeface="Arial"/>
+                <a:cs typeface="Arial"/>
+              </a:rPr>
+              <a:t>tính</a:t>
+            </a:r>
+            <a:r>
+              <a:rPr lang="en-US" sz="2600" dirty="0">
+                <a:latin typeface="Arial"/>
+                <a:cs typeface="Arial"/>
+              </a:rPr>
+              <a:t> </a:t>
+            </a:r>
+            <a:r>
+              <a:rPr lang="en-US" sz="2600" dirty="0" err="1">
+                <a:latin typeface="Arial"/>
+                <a:cs typeface="Arial"/>
+              </a:rPr>
+              <a:t>chung</a:t>
+            </a:r>
+            <a:r>
+              <a:rPr lang="en-US" sz="2600" dirty="0">
+                <a:latin typeface="Arial"/>
+                <a:cs typeface="Arial"/>
+              </a:rPr>
+              <a:t>:</a:t>
+            </a:r>
+          </a:p>
+          <a:p>
+            <a:pPr marL="652780" lvl="1" indent="-247650">
+              <a:spcBef>
+                <a:spcPts val="585"/>
               </a:spcBef>
               <a:buClr>
-                <a:srgbClr val="E7BB29"/>
+                <a:srgbClr val="A4B592"/>
               </a:buClr>
-              <a:buSzPct val="94230"/>
+              <a:buSzPct val="85416"/>
               <a:buFont typeface="Segoe UI Symbol"/>
               <a:buChar char="⚫"/>
               <a:tabLst>
-                <a:tab pos="287020" algn="l"/>
+                <a:tab pos="653415" algn="l"/>
               </a:tabLst>
             </a:pPr>
             <a:r>
-              <a:rPr lang="vi-VN" sz="2600" dirty="0">
+              <a:rPr lang="vi-VN" sz="2400" dirty="0">
                 <a:latin typeface="Arial"/>
                 <a:cs typeface="Arial"/>
               </a:rPr>
-              <a:t>Java</a:t>
+              <a:t>Kích thước của hệ thống nhỏ hơn</a:t>
+            </a:r>
+          </a:p>
+          <a:p>
+            <a:pPr marL="652780" lvl="1" indent="-247650">
+              <a:spcBef>
+                <a:spcPts val="580"/>
+              </a:spcBef>
+              <a:buClr>
+                <a:srgbClr val="A4B592"/>
+              </a:buClr>
+              <a:buSzPct val="85416"/>
+              <a:buFont typeface="Segoe UI Symbol"/>
+              <a:buChar char="⚫"/>
+              <a:tabLst>
+                <a:tab pos="653415" algn="l"/>
+              </a:tabLst>
+            </a:pPr>
+            <a:r>
+              <a:rPr lang="vi-VN" sz="2400" dirty="0">
+                <a:latin typeface="Arial"/>
+                <a:cs typeface="Arial"/>
+              </a:rPr>
+              <a:t>Giá thành rẻ hơn</a:t>
             </a:r>
             <a:endParaRPr sz="2400" dirty="0">
               <a:latin typeface="Arial"/>
               <a:cs typeface="Arial"/>
             </a:endParaRPr>
           </a:p>
+          <a:p>
+            <a:pPr marL="652780" lvl="1" indent="-247650">
+              <a:spcBef>
+                <a:spcPts val="575"/>
+              </a:spcBef>
+              <a:buClr>
+                <a:srgbClr val="A4B592"/>
+              </a:buClr>
+              <a:buSzPct val="85416"/>
+              <a:buFont typeface="Segoe UI Symbol"/>
+              <a:buChar char="⚫"/>
+              <a:tabLst>
+                <a:tab pos="653415" algn="l"/>
+              </a:tabLst>
+            </a:pPr>
+            <a:r>
+              <a:rPr lang="vi-VN" sz="2400" dirty="0">
+                <a:latin typeface="Arial"/>
+                <a:cs typeface="Arial"/>
+              </a:rPr>
+              <a:t>Tiêu thụ ít năng lượng</a:t>
+            </a:r>
+            <a:endParaRPr sz="2400" dirty="0">
+              <a:latin typeface="Arial"/>
+              <a:cs typeface="Arial"/>
+            </a:endParaRPr>
+          </a:p>
         </p:txBody>
       </p:sp>
-      <p:pic>
-        <p:nvPicPr>
-          <p:cNvPr id="4" name="Picture 3">
-            <a:extLst>
-              <a:ext uri="{FF2B5EF4-FFF2-40B4-BE49-F238E27FC236}">
-                <a16:creationId xmlns:a16="http://schemas.microsoft.com/office/drawing/2014/main" id="{0272B68E-FCDB-29C6-3BBB-EFC28932B3E7}"/>
-              </a:ext>
-            </a:extLst>
-          </p:cNvPr>
-          <p:cNvPicPr>
-            <a:picLocks noChangeAspect="1"/>
-          </p:cNvPicPr>
-          <p:nvPr/>
-        </p:nvPicPr>
-        <p:blipFill>
-          <a:blip r:embed="rId2"/>
-          <a:stretch>
-            <a:fillRect/>
-          </a:stretch>
-        </p:blipFill>
-        <p:spPr>
-          <a:xfrm>
-            <a:off x="4425723" y="2042273"/>
-            <a:ext cx="7422378" cy="4259196"/>
-          </a:xfrm>
-          <a:prstGeom prst="rect">
-            <a:avLst/>
-          </a:prstGeom>
-        </p:spPr>
-      </p:pic>
     </p:spTree>
-    <p:extLst>
-      <p:ext uri="{BB962C8B-B14F-4D97-AF65-F5344CB8AC3E}">
-        <p14:creationId xmlns:p14="http://schemas.microsoft.com/office/powerpoint/2010/main" val="630055377"/>
-      </p:ext>
-    </p:extLst>
   </p:cSld>
   <p:clrMapOvr>
     <a:masterClrMapping/>
@@ -17680,8 +17478,14 @@
       </p:grpSpPr>
       <p:sp>
         <p:nvSpPr>
-          <p:cNvPr id="2" name="object 2"/>
-          <p:cNvSpPr txBox="1">
+          <p:cNvPr id="2" name="Title 1">
+            <a:extLst>
+              <a:ext uri="{FF2B5EF4-FFF2-40B4-BE49-F238E27FC236}">
+                <a16:creationId xmlns:a16="http://schemas.microsoft.com/office/drawing/2014/main" id="{A3C5B857-39EA-055E-B673-6FE46E0F936F}"/>
+              </a:ext>
+            </a:extLst>
+          </p:cNvPr>
+          <p:cNvSpPr>
             <a:spLocks noGrp="1"/>
           </p:cNvSpPr>
           <p:nvPr>
@@ -17690,153 +17494,488 @@
         </p:nvSpPr>
         <p:spPr>
           <a:xfrm>
-            <a:off x="153824" y="1054354"/>
-            <a:ext cx="12126481" cy="782907"/>
+            <a:off x="0" y="1054354"/>
+            <a:ext cx="12331581" cy="1538883"/>
+          </a:xfrm>
+        </p:spPr>
+        <p:txBody>
+          <a:bodyPr/>
+          <a:lstStyle/>
+          <a:p>
+            <a:r>
+              <a:rPr lang="en-US" dirty="0" err="1"/>
+              <a:t>Hệ</a:t>
+            </a:r>
+            <a:r>
+              <a:rPr lang="en-US" dirty="0"/>
+              <a:t> </a:t>
+            </a:r>
+            <a:r>
+              <a:rPr lang="en-US" dirty="0" err="1"/>
+              <a:t>thống</a:t>
+            </a:r>
+            <a:r>
+              <a:rPr lang="en-US" dirty="0"/>
+              <a:t> </a:t>
+            </a:r>
+            <a:r>
+              <a:rPr lang="en-US" dirty="0" err="1"/>
+              <a:t>nhúng</a:t>
+            </a:r>
+            <a:r>
+              <a:rPr lang="en-US" dirty="0"/>
+              <a:t> </a:t>
+            </a:r>
+            <a:r>
+              <a:rPr lang="en-US" dirty="0" err="1"/>
+              <a:t>là</a:t>
+            </a:r>
+            <a:r>
+              <a:rPr lang="en-US" dirty="0"/>
+              <a:t> </a:t>
+            </a:r>
+            <a:r>
+              <a:rPr lang="en-US" dirty="0" err="1"/>
+              <a:t>gì</a:t>
+            </a:r>
+            <a:r>
+              <a:rPr lang="en-US" dirty="0"/>
+              <a:t>(</a:t>
+            </a:r>
+            <a:r>
+              <a:rPr lang="en-US" dirty="0" err="1"/>
+              <a:t>embeddedsystems</a:t>
+            </a:r>
+            <a:r>
+              <a:rPr lang="en-US" dirty="0"/>
+              <a:t>)?</a:t>
+            </a:r>
+          </a:p>
+        </p:txBody>
+      </p:sp>
+      <p:pic>
+        <p:nvPicPr>
+          <p:cNvPr id="4" name="Picture 2" descr="The image represents the structure of embedded system">
+            <a:extLst>
+              <a:ext uri="{FF2B5EF4-FFF2-40B4-BE49-F238E27FC236}">
+                <a16:creationId xmlns:a16="http://schemas.microsoft.com/office/drawing/2014/main" id="{17A3AE1A-380D-5341-8E55-AACC6E11ED7E}"/>
+              </a:ext>
+            </a:extLst>
+          </p:cNvPr>
+          <p:cNvPicPr>
+            <a:picLocks noChangeAspect="1" noChangeArrowheads="1"/>
+          </p:cNvPicPr>
+          <p:nvPr/>
+        </p:nvPicPr>
+        <p:blipFill>
+          <a:blip r:embed="rId2">
+            <a:extLst>
+              <a:ext uri="{28A0092B-C50C-407E-A947-70E740481C1C}">
+                <a14:useLocalDpi xmlns:a14="http://schemas.microsoft.com/office/drawing/2010/main" val="0"/>
+              </a:ext>
+            </a:extLst>
+          </a:blip>
+          <a:srcRect/>
+          <a:stretch>
+            <a:fillRect/>
+          </a:stretch>
+        </p:blipFill>
+        <p:spPr bwMode="auto">
+          <a:xfrm>
+            <a:off x="7232749" y="2390577"/>
+            <a:ext cx="3496267" cy="4355212"/>
+          </a:xfrm>
+          <a:prstGeom prst="rect">
+            <a:avLst/>
+          </a:prstGeom>
+          <a:noFill/>
+          <a:extLst>
+            <a:ext uri="{909E8E84-426E-40DD-AFC4-6F175D3DCCD1}">
+              <a14:hiddenFill xmlns:a14="http://schemas.microsoft.com/office/drawing/2010/main">
+                <a:solidFill>
+                  <a:srgbClr val="FFFFFF"/>
+                </a:solidFill>
+              </a14:hiddenFill>
+            </a:ext>
+          </a:extLst>
+        </p:spPr>
+      </p:pic>
+      <p:pic>
+        <p:nvPicPr>
+          <p:cNvPr id="2050" name="Picture 2" descr="Embedded Software Development | bartleby">
+            <a:extLst>
+              <a:ext uri="{FF2B5EF4-FFF2-40B4-BE49-F238E27FC236}">
+                <a16:creationId xmlns:a16="http://schemas.microsoft.com/office/drawing/2014/main" id="{5F9046E1-A157-45F9-598A-62BE20D4AF7E}"/>
+              </a:ext>
+            </a:extLst>
+          </p:cNvPr>
+          <p:cNvPicPr>
+            <a:picLocks noChangeAspect="1" noChangeArrowheads="1"/>
+          </p:cNvPicPr>
+          <p:nvPr/>
+        </p:nvPicPr>
+        <p:blipFill>
+          <a:blip r:embed="rId3">
+            <a:extLst>
+              <a:ext uri="{28A0092B-C50C-407E-A947-70E740481C1C}">
+                <a14:useLocalDpi xmlns:a14="http://schemas.microsoft.com/office/drawing/2010/main" val="0"/>
+              </a:ext>
+            </a:extLst>
+          </a:blip>
+          <a:srcRect/>
+          <a:stretch>
+            <a:fillRect/>
+          </a:stretch>
+        </p:blipFill>
+        <p:spPr bwMode="auto">
+          <a:xfrm>
+            <a:off x="196893" y="1898858"/>
+            <a:ext cx="5073554" cy="4731812"/>
+          </a:xfrm>
+          <a:prstGeom prst="rect">
+            <a:avLst/>
+          </a:prstGeom>
+          <a:noFill/>
+          <a:extLst>
+            <a:ext uri="{909E8E84-426E-40DD-AFC4-6F175D3DCCD1}">
+              <a14:hiddenFill xmlns:a14="http://schemas.microsoft.com/office/drawing/2010/main">
+                <a:solidFill>
+                  <a:srgbClr val="FFFFFF"/>
+                </a:solidFill>
+              </a14:hiddenFill>
+            </a:ext>
+          </a:extLst>
+        </p:spPr>
+      </p:pic>
+      <p:sp>
+        <p:nvSpPr>
+          <p:cNvPr id="6" name="Text Placeholder 2">
+            <a:extLst>
+              <a:ext uri="{FF2B5EF4-FFF2-40B4-BE49-F238E27FC236}">
+                <a16:creationId xmlns:a16="http://schemas.microsoft.com/office/drawing/2014/main" id="{4CA361F5-5C02-64F6-58C8-8268408E5B2E}"/>
+              </a:ext>
+            </a:extLst>
+          </p:cNvPr>
+          <p:cNvSpPr txBox="1">
+            <a:spLocks/>
+          </p:cNvSpPr>
+          <p:nvPr/>
+        </p:nvSpPr>
+        <p:spPr>
+          <a:xfrm>
+            <a:off x="6873012" y="1983502"/>
+            <a:ext cx="4604403" cy="400110"/>
           </a:xfrm>
           <a:prstGeom prst="rect">
             <a:avLst/>
           </a:prstGeom>
         </p:spPr>
         <p:txBody>
-          <a:bodyPr vert="horz" wrap="square" lIns="0" tIns="13335" rIns="0" bIns="0" rtlCol="0">
+          <a:bodyPr wrap="square" lIns="0" tIns="0" rIns="0" bIns="0">
             <a:spAutoFit/>
           </a:bodyPr>
-          <a:lstStyle/>
-          <a:p>
-            <a:pPr marL="12700" algn="l">
-              <a:spcBef>
-                <a:spcPts val="105"/>
-              </a:spcBef>
-            </a:pPr>
-            <a:r>
-              <a:rPr lang="vi-VN" dirty="0"/>
-              <a:t>Những khái niệm cơ bản về ngôn ngữ C</a:t>
-            </a:r>
-            <a:endParaRPr spc="-20" dirty="0"/>
-          </a:p>
-        </p:txBody>
-      </p:sp>
-      <p:sp>
-        <p:nvSpPr>
-          <p:cNvPr id="3" name="object 3"/>
-          <p:cNvSpPr txBox="1"/>
-          <p:nvPr/>
-        </p:nvSpPr>
-        <p:spPr>
-          <a:xfrm>
-            <a:off x="974623" y="1837261"/>
-            <a:ext cx="10724570" cy="4054956"/>
-          </a:xfrm>
-          <a:prstGeom prst="rect">
-            <a:avLst/>
-          </a:prstGeom>
-        </p:spPr>
-        <p:txBody>
-          <a:bodyPr vert="horz" wrap="square" lIns="0" tIns="91440" rIns="0" bIns="0" rtlCol="0">
-            <a:spAutoFit/>
-          </a:bodyPr>
-          <a:lstStyle/>
-          <a:p>
-            <a:pPr marL="287020" indent="-274320" algn="just">
-              <a:spcBef>
-                <a:spcPts val="720"/>
-              </a:spcBef>
-              <a:buClr>
-                <a:srgbClr val="E7BB29"/>
-              </a:buClr>
-              <a:buSzPct val="94230"/>
-              <a:buFont typeface="Segoe UI Symbol"/>
-              <a:buChar char="⚫"/>
-              <a:tabLst>
-                <a:tab pos="287020" algn="l"/>
-              </a:tabLst>
-            </a:pPr>
-            <a:r>
-              <a:rPr lang="vi-VN" sz="2400" dirty="0">
+          <a:lstStyle>
+            <a:lvl1pPr marL="0">
+              <a:defRPr sz="2600" b="0" i="0">
+                <a:solidFill>
+                  <a:schemeClr val="tx1"/>
+                </a:solidFill>
                 <a:latin typeface="Arial"/>
+                <a:ea typeface="+mn-ea"/>
                 <a:cs typeface="Arial"/>
-              </a:rPr>
-              <a:t>C được hiểu là ngôn ngữ bậc trung bởi vì nó kết hợp những yếu tố của những ngôn ngữ cấp cao và những chức năng của hợp ngữ (ngôn ngữ cấp thấp). </a:t>
-            </a:r>
-          </a:p>
-          <a:p>
-            <a:pPr marL="287020" indent="-274320" algn="just">
-              <a:spcBef>
-                <a:spcPts val="720"/>
-              </a:spcBef>
-              <a:buClr>
-                <a:srgbClr val="E7BB29"/>
-              </a:buClr>
-              <a:buSzPct val="94230"/>
-              <a:buFont typeface="Segoe UI Symbol"/>
-              <a:buChar char="⚫"/>
-              <a:tabLst>
-                <a:tab pos="287020" algn="l"/>
-              </a:tabLst>
-            </a:pPr>
-            <a:r>
-              <a:rPr lang="vi-VN" sz="2400" dirty="0">
-                <a:latin typeface="Arial"/>
-                <a:cs typeface="Arial"/>
-              </a:rPr>
-              <a:t>C cho phép thao tác trên những thành phần cơ bản của máy tính như bits, bytes, địa chỉ…. Hơn nữa, mã C rất dễ di chuyển nghĩa là phần mềm viết cho  loại máy tính này có thể chạy trên một loại máy tính khác. </a:t>
-            </a:r>
-          </a:p>
-          <a:p>
-            <a:pPr marL="287020" indent="-274320" algn="just">
-              <a:spcBef>
-                <a:spcPts val="720"/>
-              </a:spcBef>
-              <a:buClr>
-                <a:srgbClr val="E7BB29"/>
-              </a:buClr>
-              <a:buSzPct val="94230"/>
-              <a:buFont typeface="Segoe UI Symbol"/>
-              <a:buChar char="⚫"/>
-              <a:tabLst>
-                <a:tab pos="287020" algn="l"/>
-              </a:tabLst>
-            </a:pPr>
-            <a:r>
-              <a:rPr lang="vi-VN" sz="2400" dirty="0">
-                <a:latin typeface="Arial"/>
-                <a:cs typeface="Arial"/>
-              </a:rPr>
-              <a:t>C cho phép chuyển kiểu dữ liệu. Nó cho phép thao tác trực tiếp trên bits, bytes, word và con trỏ (pointer). Vì vậy, nó được dùng cho lập trình mức hệ thống.</a:t>
-            </a:r>
-          </a:p>
-          <a:p>
-            <a:pPr marL="287020" indent="-274320" algn="just">
-              <a:spcBef>
-                <a:spcPts val="720"/>
-              </a:spcBef>
-              <a:buClr>
-                <a:srgbClr val="E7BB29"/>
-              </a:buClr>
-              <a:buSzPct val="94230"/>
-              <a:buFont typeface="Segoe UI Symbol"/>
-              <a:buChar char="⚫"/>
-              <a:tabLst>
-                <a:tab pos="287020" algn="l"/>
-              </a:tabLst>
-            </a:pPr>
-            <a:endParaRPr lang="vi-VN" sz="2400" dirty="0">
-              <a:latin typeface="Arial"/>
-              <a:cs typeface="Arial"/>
-            </a:endParaRPr>
+              </a:defRPr>
+            </a:lvl1pPr>
+            <a:lvl2pPr marL="457200">
+              <a:defRPr>
+                <a:latin typeface="+mn-lt"/>
+                <a:ea typeface="+mn-ea"/>
+                <a:cs typeface="+mn-cs"/>
+              </a:defRPr>
+            </a:lvl2pPr>
+            <a:lvl3pPr marL="914400">
+              <a:defRPr>
+                <a:latin typeface="+mn-lt"/>
+                <a:ea typeface="+mn-ea"/>
+                <a:cs typeface="+mn-cs"/>
+              </a:defRPr>
+            </a:lvl3pPr>
+            <a:lvl4pPr marL="1371600">
+              <a:defRPr>
+                <a:latin typeface="+mn-lt"/>
+                <a:ea typeface="+mn-ea"/>
+                <a:cs typeface="+mn-cs"/>
+              </a:defRPr>
+            </a:lvl4pPr>
+            <a:lvl5pPr marL="1828800">
+              <a:defRPr>
+                <a:latin typeface="+mn-lt"/>
+                <a:ea typeface="+mn-ea"/>
+                <a:cs typeface="+mn-cs"/>
+              </a:defRPr>
+            </a:lvl5pPr>
+            <a:lvl6pPr marL="2286000">
+              <a:defRPr>
+                <a:latin typeface="+mn-lt"/>
+                <a:ea typeface="+mn-ea"/>
+                <a:cs typeface="+mn-cs"/>
+              </a:defRPr>
+            </a:lvl6pPr>
+            <a:lvl7pPr marL="2743200">
+              <a:defRPr>
+                <a:latin typeface="+mn-lt"/>
+                <a:ea typeface="+mn-ea"/>
+                <a:cs typeface="+mn-cs"/>
+              </a:defRPr>
+            </a:lvl7pPr>
+            <a:lvl8pPr marL="3200400">
+              <a:defRPr>
+                <a:latin typeface="+mn-lt"/>
+                <a:ea typeface="+mn-ea"/>
+                <a:cs typeface="+mn-cs"/>
+              </a:defRPr>
+            </a:lvl8pPr>
+            <a:lvl9pPr marL="3657600">
+              <a:defRPr>
+                <a:latin typeface="+mn-lt"/>
+                <a:ea typeface="+mn-ea"/>
+                <a:cs typeface="+mn-cs"/>
+              </a:defRPr>
+            </a:lvl9pPr>
+          </a:lstStyle>
+          <a:p>
+            <a:r>
+              <a:rPr lang="vi-VN" kern="0" dirty="0"/>
+              <a:t>Các phần của hệ thống nhúng</a:t>
+            </a:r>
+            <a:endParaRPr lang="en-US" kern="0" dirty="0"/>
           </a:p>
         </p:txBody>
       </p:sp>
     </p:spTree>
     <p:extLst>
       <p:ext uri="{BB962C8B-B14F-4D97-AF65-F5344CB8AC3E}">
-        <p14:creationId xmlns:p14="http://schemas.microsoft.com/office/powerpoint/2010/main" val="2739729369"/>
+        <p14:creationId xmlns:p14="http://schemas.microsoft.com/office/powerpoint/2010/main" val="838437007"/>
       </p:ext>
     </p:extLst>
   </p:cSld>
   <p:clrMapOvr>
     <a:masterClrMapping/>
   </p:clrMapOvr>
+  <p:timing>
+    <p:tnLst>
+      <p:par>
+        <p:cTn id="1" dur="indefinite" restart="never" nodeType="tmRoot">
+          <p:childTnLst>
+            <p:seq concurrent="1" nextAc="seek">
+              <p:cTn id="2" dur="indefinite" nodeType="mainSeq">
+                <p:childTnLst>
+                  <p:par>
+                    <p:cTn id="3" fill="hold">
+                      <p:stCondLst>
+                        <p:cond delay="indefinite"/>
+                        <p:cond evt="onBegin" delay="0">
+                          <p:tn val="2"/>
+                        </p:cond>
+                      </p:stCondLst>
+                      <p:childTnLst>
+                        <p:par>
+                          <p:cTn id="4" fill="hold">
+                            <p:stCondLst>
+                              <p:cond delay="0"/>
+                            </p:stCondLst>
+                            <p:childTnLst>
+                              <p:par>
+                                <p:cTn id="5" presetID="2" presetClass="entr" presetSubtype="4" fill="hold" nodeType="withEffect">
+                                  <p:stCondLst>
+                                    <p:cond delay="0"/>
+                                  </p:stCondLst>
+                                  <p:childTnLst>
+                                    <p:set>
+                                      <p:cBhvr>
+                                        <p:cTn id="6" dur="1" fill="hold">
+                                          <p:stCondLst>
+                                            <p:cond delay="0"/>
+                                          </p:stCondLst>
+                                        </p:cTn>
+                                        <p:tgtEl>
+                                          <p:spTgt spid="2050"/>
+                                        </p:tgtEl>
+                                        <p:attrNameLst>
+                                          <p:attrName>style.visibility</p:attrName>
+                                        </p:attrNameLst>
+                                      </p:cBhvr>
+                                      <p:to>
+                                        <p:strVal val="visible"/>
+                                      </p:to>
+                                    </p:set>
+                                    <p:anim calcmode="lin" valueType="num">
+                                      <p:cBhvr additive="base">
+                                        <p:cTn id="7" dur="500" fill="hold"/>
+                                        <p:tgtEl>
+                                          <p:spTgt spid="2050"/>
+                                        </p:tgtEl>
+                                        <p:attrNameLst>
+                                          <p:attrName>ppt_x</p:attrName>
+                                        </p:attrNameLst>
+                                      </p:cBhvr>
+                                      <p:tavLst>
+                                        <p:tav tm="0">
+                                          <p:val>
+                                            <p:strVal val="#ppt_x"/>
+                                          </p:val>
+                                        </p:tav>
+                                        <p:tav tm="100000">
+                                          <p:val>
+                                            <p:strVal val="#ppt_x"/>
+                                          </p:val>
+                                        </p:tav>
+                                      </p:tavLst>
+                                    </p:anim>
+                                    <p:anim calcmode="lin" valueType="num">
+                                      <p:cBhvr additive="base">
+                                        <p:cTn id="8" dur="500" fill="hold"/>
+                                        <p:tgtEl>
+                                          <p:spTgt spid="2050"/>
+                                        </p:tgtEl>
+                                        <p:attrNameLst>
+                                          <p:attrName>ppt_y</p:attrName>
+                                        </p:attrNameLst>
+                                      </p:cBhvr>
+                                      <p:tavLst>
+                                        <p:tav tm="0">
+                                          <p:val>
+                                            <p:strVal val="1+#ppt_h/2"/>
+                                          </p:val>
+                                        </p:tav>
+                                        <p:tav tm="100000">
+                                          <p:val>
+                                            <p:strVal val="#ppt_y"/>
+                                          </p:val>
+                                        </p:tav>
+                                      </p:tavLst>
+                                    </p:anim>
+                                  </p:childTnLst>
+                                </p:cTn>
+                              </p:par>
+                            </p:childTnLst>
+                          </p:cTn>
+                        </p:par>
+                      </p:childTnLst>
+                    </p:cTn>
+                  </p:par>
+                  <p:par>
+                    <p:cTn id="9" fill="hold">
+                      <p:stCondLst>
+                        <p:cond delay="indefinite"/>
+                      </p:stCondLst>
+                      <p:childTnLst>
+                        <p:par>
+                          <p:cTn id="10" fill="hold">
+                            <p:stCondLst>
+                              <p:cond delay="0"/>
+                            </p:stCondLst>
+                            <p:childTnLst>
+                              <p:par>
+                                <p:cTn id="11" presetID="16" presetClass="entr" presetSubtype="21" fill="hold" grpId="0" nodeType="clickEffect">
+                                  <p:stCondLst>
+                                    <p:cond delay="0"/>
+                                  </p:stCondLst>
+                                  <p:childTnLst>
+                                    <p:set>
+                                      <p:cBhvr>
+                                        <p:cTn id="12" dur="1" fill="hold">
+                                          <p:stCondLst>
+                                            <p:cond delay="0"/>
+                                          </p:stCondLst>
+                                        </p:cTn>
+                                        <p:tgtEl>
+                                          <p:spTgt spid="6"/>
+                                        </p:tgtEl>
+                                        <p:attrNameLst>
+                                          <p:attrName>style.visibility</p:attrName>
+                                        </p:attrNameLst>
+                                      </p:cBhvr>
+                                      <p:to>
+                                        <p:strVal val="visible"/>
+                                      </p:to>
+                                    </p:set>
+                                    <p:animEffect transition="in" filter="barn(inVertical)">
+                                      <p:cBhvr>
+                                        <p:cTn id="13" dur="500"/>
+                                        <p:tgtEl>
+                                          <p:spTgt spid="6"/>
+                                        </p:tgtEl>
+                                      </p:cBhvr>
+                                    </p:animEffect>
+                                  </p:childTnLst>
+                                </p:cTn>
+                              </p:par>
+                              <p:par>
+                                <p:cTn id="14" presetID="16" presetClass="entr" presetSubtype="21" fill="hold" nodeType="withEffect">
+                                  <p:stCondLst>
+                                    <p:cond delay="0"/>
+                                  </p:stCondLst>
+                                  <p:childTnLst>
+                                    <p:set>
+                                      <p:cBhvr>
+                                        <p:cTn id="15" dur="1" fill="hold">
+                                          <p:stCondLst>
+                                            <p:cond delay="0"/>
+                                          </p:stCondLst>
+                                        </p:cTn>
+                                        <p:tgtEl>
+                                          <p:spTgt spid="4"/>
+                                        </p:tgtEl>
+                                        <p:attrNameLst>
+                                          <p:attrName>style.visibility</p:attrName>
+                                        </p:attrNameLst>
+                                      </p:cBhvr>
+                                      <p:to>
+                                        <p:strVal val="visible"/>
+                                      </p:to>
+                                    </p:set>
+                                    <p:animEffect transition="in" filter="barn(inVertical)">
+                                      <p:cBhvr>
+                                        <p:cTn id="16" dur="500"/>
+                                        <p:tgtEl>
+                                          <p:spTgt spid="4"/>
+                                        </p:tgtEl>
+                                      </p:cBhvr>
+                                    </p:animEffect>
+                                  </p:childTnLst>
+                                </p:cTn>
+                              </p:par>
+                            </p:childTnLst>
+                          </p:cTn>
+                        </p:par>
+                      </p:childTnLst>
+                    </p:cTn>
+                  </p:par>
+                </p:childTnLst>
+              </p:cTn>
+              <p:prevCondLst>
+                <p:cond evt="onPrev" delay="0">
+                  <p:tgtEl>
+                    <p:sldTgt/>
+                  </p:tgtEl>
+                </p:cond>
+              </p:prevCondLst>
+              <p:nextCondLst>
+                <p:cond evt="onNext" delay="0">
+                  <p:tgtEl>
+                    <p:sldTgt/>
+                  </p:tgtEl>
+                </p:cond>
+              </p:nextCondLst>
+            </p:seq>
+          </p:childTnLst>
+        </p:cTn>
+      </p:par>
+    </p:tnLst>
+    <p:bldLst>
+      <p:bldP spid="6" grpId="0"/>
+    </p:bldLst>
+  </p:timing>
 </p:sld>
 </file>
 
@@ -17888,8 +18027,52 @@
               </a:spcBef>
             </a:pPr>
             <a:r>
-              <a:rPr lang="vi-VN" spc="-20" dirty="0"/>
-              <a:t>Phần mềm sử dụng trong quá trình học</a:t>
+              <a:rPr lang="en-US" dirty="0" err="1"/>
+              <a:t>Hệ</a:t>
+            </a:r>
+            <a:r>
+              <a:rPr lang="en-US" dirty="0"/>
+              <a:t> </a:t>
+            </a:r>
+            <a:r>
+              <a:rPr lang="en-US" dirty="0" err="1"/>
+              <a:t>thống</a:t>
+            </a:r>
+            <a:r>
+              <a:rPr lang="en-US" dirty="0"/>
+              <a:t> </a:t>
+            </a:r>
+            <a:r>
+              <a:rPr lang="en-US" dirty="0" err="1"/>
+              <a:t>nhúng</a:t>
+            </a:r>
+            <a:r>
+              <a:rPr lang="en-US" dirty="0"/>
+              <a:t> </a:t>
+            </a:r>
+            <a:r>
+              <a:rPr lang="en-US" dirty="0" err="1"/>
+              <a:t>là</a:t>
+            </a:r>
+            <a:r>
+              <a:rPr lang="en-US" dirty="0"/>
+              <a:t> </a:t>
+            </a:r>
+            <a:r>
+              <a:rPr lang="en-US" dirty="0" err="1"/>
+              <a:t>gì</a:t>
+            </a:r>
+            <a:r>
+              <a:rPr lang="en-US" dirty="0"/>
+              <a:t>(</a:t>
+            </a:r>
+            <a:r>
+              <a:rPr lang="en-US" dirty="0" err="1"/>
+              <a:t>embeddedsystems</a:t>
+            </a:r>
+            <a:r>
+              <a:rPr lang="en-US" dirty="0"/>
+              <a:t>)?</a:t>
             </a:r>
             <a:endParaRPr spc="-20" dirty="0"/>
           </a:p>
@@ -17903,8 +18086,8 @@
         </p:nvSpPr>
         <p:spPr>
           <a:xfrm>
-            <a:off x="948985" y="1837261"/>
-            <a:ext cx="7348220" cy="2298065"/>
+            <a:off x="1085718" y="2281555"/>
+            <a:ext cx="10562199" cy="3108543"/>
           </a:xfrm>
           <a:prstGeom prst="rect">
             <a:avLst/>
@@ -17916,7 +18099,7 @@
           </a:bodyPr>
           <a:lstStyle/>
           <a:p>
-            <a:pPr marL="287020" indent="-274320">
+            <a:pPr marL="287020" indent="-274320" algn="just">
               <a:spcBef>
                 <a:spcPts val="720"/>
               </a:spcBef>
@@ -17931,17 +18114,17 @@
               </a:tabLst>
             </a:pPr>
             <a:r>
-              <a:rPr lang="vi-VN" sz="2400" dirty="0">
+              <a:rPr lang="vi-VN" sz="2600" dirty="0">
                 <a:latin typeface="Arial"/>
                 <a:cs typeface="Arial"/>
               </a:rPr>
-              <a:t>Notepad++</a:t>
-            </a:r>
-          </a:p>
-          <a:p>
-            <a:pPr marL="287020" indent="-274320">
-              <a:spcBef>
-                <a:spcPts val="720"/>
+              <a:t>Hệ thống nhúng là hệ thống máy tính có chức năng dành riêng, chuyên biệt cho một công việc gì đó cụ thể. Nó khác với các hệ thống máy tính đa dụng có thể làm nhiều việc cùng lúc.</a:t>
+            </a:r>
+          </a:p>
+          <a:p>
+            <a:pPr marL="287020" indent="-274320" algn="just">
+              <a:spcBef>
+                <a:spcPts val="625"/>
               </a:spcBef>
               <a:buClr>
                 <a:srgbClr val="E7BB29"/>
@@ -17954,26 +18137,84 @@
               </a:tabLst>
             </a:pPr>
             <a:r>
+              <a:rPr lang="en-US" sz="2600" dirty="0" err="1">
+                <a:latin typeface="Arial"/>
+                <a:cs typeface="Arial"/>
+              </a:rPr>
+              <a:t>Đặc</a:t>
+            </a:r>
+            <a:r>
+              <a:rPr lang="en-US" sz="2600" dirty="0">
+                <a:latin typeface="Arial"/>
+                <a:cs typeface="Arial"/>
+              </a:rPr>
+              <a:t> </a:t>
+            </a:r>
+            <a:r>
+              <a:rPr lang="en-US" sz="2600" dirty="0" err="1">
+                <a:latin typeface="Arial"/>
+                <a:cs typeface="Arial"/>
+              </a:rPr>
+              <a:t>tính</a:t>
+            </a:r>
+            <a:r>
+              <a:rPr lang="en-US" sz="2600" dirty="0">
+                <a:latin typeface="Arial"/>
+                <a:cs typeface="Arial"/>
+              </a:rPr>
+              <a:t> </a:t>
+            </a:r>
+            <a:r>
+              <a:rPr lang="en-US" sz="2600" dirty="0" err="1">
+                <a:latin typeface="Arial"/>
+                <a:cs typeface="Arial"/>
+              </a:rPr>
+              <a:t>chung</a:t>
+            </a:r>
+            <a:r>
+              <a:rPr lang="en-US" sz="2600" dirty="0">
+                <a:latin typeface="Arial"/>
+                <a:cs typeface="Arial"/>
+              </a:rPr>
+              <a:t>:</a:t>
+            </a:r>
+          </a:p>
+          <a:p>
+            <a:pPr marL="652780" lvl="1" indent="-247650" algn="just">
+              <a:spcBef>
+                <a:spcPts val="585"/>
+              </a:spcBef>
+              <a:buClr>
+                <a:srgbClr val="A4B592"/>
+              </a:buClr>
+              <a:buSzPct val="85416"/>
+              <a:buFont typeface="Segoe UI Symbol"/>
+              <a:buChar char="⚫"/>
+              <a:tabLst>
+                <a:tab pos="653415" algn="l"/>
+              </a:tabLst>
+            </a:pPr>
+            <a:r>
               <a:rPr lang="vi-VN" sz="2400" dirty="0">
                 <a:latin typeface="Arial"/>
                 <a:cs typeface="Arial"/>
               </a:rPr>
-              <a:t>Visual studio code</a:t>
-            </a:r>
-          </a:p>
-          <a:p>
-            <a:pPr marL="287020" indent="-274320">
-              <a:spcBef>
-                <a:spcPts val="720"/>
+              <a:t>Kích thước của hệ thống nhỏ hơn</a:t>
+            </a:r>
+          </a:p>
+          <a:p>
+            <a:pPr marL="652780" lvl="1" indent="-247650" algn="just">
+              <a:spcBef>
+                <a:spcPts val="580"/>
               </a:spcBef>
               <a:buClr>
-                <a:srgbClr val="E7BB29"/>
+                <a:srgbClr val="A4B592"/>
               </a:buClr>
-              <a:buSzPct val="94230"/>
+              <a:buSzPct val="85416"/>
               <a:buFont typeface="Segoe UI Symbol"/>
               <a:buChar char="⚫"/>
               <a:tabLst>
-                <a:tab pos="287020" algn="l"/>
+                <a:tab pos="653415" algn="l"/>
               </a:tabLst>
             </a:pPr>
             <a:r>
@@ -17981,22 +18222,26 @@
                 <a:latin typeface="Arial"/>
                 <a:cs typeface="Arial"/>
               </a:rPr>
-              <a:t>Ubuntu(cài trên microsoft store win)</a:t>
-            </a:r>
-          </a:p>
-          <a:p>
-            <a:pPr marL="287020" indent="-274320">
-              <a:spcBef>
-                <a:spcPts val="720"/>
+              <a:t>Giá thành rẻ hơn</a:t>
+            </a:r>
+            <a:endParaRPr sz="2400" dirty="0">
+              <a:latin typeface="Arial"/>
+              <a:cs typeface="Arial"/>
+            </a:endParaRPr>
+          </a:p>
+          <a:p>
+            <a:pPr marL="652780" lvl="1" indent="-247650" algn="just">
+              <a:spcBef>
+                <a:spcPts val="575"/>
               </a:spcBef>
               <a:buClr>
-                <a:srgbClr val="E7BB29"/>
+                <a:srgbClr val="A4B592"/>
               </a:buClr>
-              <a:buSzPct val="94230"/>
+              <a:buSzPct val="85416"/>
               <a:buFont typeface="Segoe UI Symbol"/>
               <a:buChar char="⚫"/>
               <a:tabLst>
-                <a:tab pos="287020" algn="l"/>
+                <a:tab pos="653415" algn="l"/>
               </a:tabLst>
             </a:pPr>
             <a:r>
@@ -18004,38 +18249,19 @@
                 <a:latin typeface="Arial"/>
                 <a:cs typeface="Arial"/>
               </a:rPr>
-              <a:t>Aruino IDE</a:t>
-            </a:r>
-          </a:p>
-          <a:p>
-            <a:pPr marL="287020" indent="-274320">
-              <a:spcBef>
-                <a:spcPts val="720"/>
-              </a:spcBef>
-              <a:buClr>
-                <a:srgbClr val="E7BB29"/>
-              </a:buClr>
-              <a:buSzPct val="94230"/>
-              <a:buFont typeface="Segoe UI Symbol"/>
-              <a:buChar char="⚫"/>
-              <a:tabLst>
-                <a:tab pos="287020" algn="l"/>
-              </a:tabLst>
-            </a:pPr>
-            <a:r>
-              <a:rPr lang="vi-VN" sz="2400" dirty="0">
-                <a:latin typeface="Arial"/>
-                <a:cs typeface="Arial"/>
-              </a:rPr>
-              <a:t>Github desktop</a:t>
-            </a:r>
+              <a:t>Tiêu thụ ít năng lượng</a:t>
+            </a:r>
+            <a:endParaRPr sz="2400" dirty="0">
+              <a:latin typeface="Arial"/>
+              <a:cs typeface="Arial"/>
+            </a:endParaRPr>
           </a:p>
         </p:txBody>
       </p:sp>
     </p:spTree>
     <p:extLst>
       <p:ext uri="{BB962C8B-B14F-4D97-AF65-F5344CB8AC3E}">
-        <p14:creationId xmlns:p14="http://schemas.microsoft.com/office/powerpoint/2010/main" val="493359022"/>
+        <p14:creationId xmlns:p14="http://schemas.microsoft.com/office/powerpoint/2010/main" val="1917210451"/>
       </p:ext>
     </p:extLst>
   </p:cSld>
@@ -18093,10 +18319,66 @@
               </a:spcBef>
             </a:pPr>
             <a:r>
-              <a:rPr lang="vi-VN" spc="-20" dirty="0"/>
-              <a:t>Yêu cầu khi theo học</a:t>
-            </a:r>
-            <a:endParaRPr spc="-20" dirty="0"/>
+              <a:rPr lang="en-US" dirty="0" err="1"/>
+              <a:t>Ngôn</a:t>
+            </a:r>
+            <a:r>
+              <a:rPr lang="en-US" dirty="0"/>
+              <a:t> </a:t>
+            </a:r>
+            <a:r>
+              <a:rPr lang="en-US" dirty="0" err="1"/>
+              <a:t>ngữ</a:t>
+            </a:r>
+            <a:r>
+              <a:rPr lang="en-US" dirty="0"/>
+              <a:t> </a:t>
+            </a:r>
+            <a:r>
+              <a:rPr lang="en-US" dirty="0" err="1"/>
+              <a:t>lập</a:t>
+            </a:r>
+            <a:r>
+              <a:rPr lang="en-US" dirty="0"/>
+              <a:t> </a:t>
+            </a:r>
+            <a:r>
+              <a:rPr lang="en-US" dirty="0" err="1"/>
+              <a:t>trình</a:t>
+            </a:r>
+            <a:r>
+              <a:rPr lang="en-US" dirty="0"/>
+              <a:t> </a:t>
+            </a:r>
+            <a:r>
+              <a:rPr lang="en-US" dirty="0" err="1"/>
+              <a:t>cho</a:t>
+            </a:r>
+            <a:r>
+              <a:rPr lang="en-US" dirty="0"/>
+              <a:t> </a:t>
+            </a:r>
+            <a:r>
+              <a:rPr lang="en-US" dirty="0" err="1"/>
+              <a:t>Hệ</a:t>
+            </a:r>
+            <a:r>
+              <a:rPr lang="en-US" dirty="0"/>
+              <a:t> </a:t>
+            </a:r>
+            <a:r>
+              <a:rPr lang="en-US" dirty="0" err="1"/>
+              <a:t>thống</a:t>
+            </a:r>
+            <a:r>
+              <a:rPr lang="en-US" dirty="0"/>
+              <a:t> </a:t>
+            </a:r>
+            <a:r>
+              <a:rPr lang="en-US" dirty="0" err="1"/>
+              <a:t>nhúng</a:t>
+            </a:r>
+            <a:endParaRPr lang="en-US" spc="-20" dirty="0"/>
           </a:p>
         </p:txBody>
       </p:sp>
@@ -18108,8 +18390,8 @@
         </p:nvSpPr>
         <p:spPr>
           <a:xfrm>
-            <a:off x="974623" y="1837261"/>
-            <a:ext cx="10023814" cy="5332229"/>
+            <a:off x="343899" y="2161914"/>
+            <a:ext cx="4169945" cy="1936428"/>
           </a:xfrm>
           <a:prstGeom prst="rect">
             <a:avLst/>
@@ -18121,7 +18403,7 @@
           </a:bodyPr>
           <a:lstStyle/>
           <a:p>
-            <a:pPr marL="287020" indent="-274320" algn="just">
+            <a:pPr marL="287020" indent="-274320">
               <a:spcBef>
                 <a:spcPts val="720"/>
               </a:spcBef>
@@ -18136,15 +18418,15 @@
               </a:tabLst>
             </a:pPr>
             <a:r>
-              <a:rPr lang="vi-VN" sz="2400" dirty="0">
+              <a:rPr lang="vi-VN" sz="2600" dirty="0">
                 <a:latin typeface="Arial"/>
                 <a:cs typeface="Arial"/>
               </a:rPr>
-              <a:t>Thái độ nghiêm túc, chịu khó trong quá trình học.</a:t>
-            </a:r>
-          </a:p>
-          <a:p>
-            <a:pPr marL="287020" indent="-274320" algn="just">
+              <a:t>C và C++ (phổ biến nhất)</a:t>
+            </a:r>
+          </a:p>
+          <a:p>
+            <a:pPr marL="287020" indent="-274320">
               <a:spcBef>
                 <a:spcPts val="720"/>
               </a:spcBef>
@@ -18159,17 +18441,17 @@
               </a:tabLst>
             </a:pPr>
             <a:r>
-              <a:rPr lang="vi-VN" sz="2400" dirty="0">
+              <a:rPr lang="vi-VN" sz="2600" dirty="0">
                 <a:latin typeface="Arial"/>
                 <a:cs typeface="Arial"/>
               </a:rPr>
-              <a:t>Nộp bài tập và báo cáo đầy đủ, đúng hạn(3 lần muộn sẽ bị out).</a:t>
-            </a:r>
-          </a:p>
-          <a:p>
-            <a:pPr marL="287020" indent="-274320" algn="just">
-              <a:spcBef>
-                <a:spcPts val="720"/>
+              <a:t>Assembly</a:t>
+            </a:r>
+          </a:p>
+          <a:p>
+            <a:pPr marL="287020" indent="-274320">
+              <a:spcBef>
+                <a:spcPts val="625"/>
               </a:spcBef>
               <a:buClr>
                 <a:srgbClr val="E7BB29"/>
@@ -18182,17 +18464,21 @@
               </a:tabLst>
             </a:pPr>
             <a:r>
-              <a:rPr lang="vi-VN" sz="2400" dirty="0">
+              <a:rPr lang="en-US" sz="2600" dirty="0">
                 <a:latin typeface="Arial"/>
                 <a:cs typeface="Arial"/>
               </a:rPr>
-              <a:t>Tương tác trong quá trình học(để anh biết mn có hiểu không).</a:t>
-            </a:r>
-          </a:p>
-          <a:p>
-            <a:pPr marL="287020" indent="-274320" algn="just">
-              <a:spcBef>
-                <a:spcPts val="720"/>
+              <a:t>Python</a:t>
+            </a:r>
+            <a:endParaRPr lang="vi-VN" sz="2600" dirty="0">
+              <a:latin typeface="Arial"/>
+              <a:cs typeface="Arial"/>
+            </a:endParaRPr>
+          </a:p>
+          <a:p>
+            <a:pPr marL="287020" indent="-274320">
+              <a:spcBef>
+                <a:spcPts val="625"/>
               </a:spcBef>
               <a:buClr>
                 <a:srgbClr val="E7BB29"/>
@@ -18205,151 +18491,53 @@
               </a:tabLst>
             </a:pPr>
             <a:r>
-              <a:rPr lang="vi-VN" sz="2400" dirty="0">
+              <a:rPr lang="vi-VN" sz="2600" dirty="0">
                 <a:latin typeface="Arial"/>
                 <a:cs typeface="Arial"/>
               </a:rPr>
-              <a:t>Có vấn đề gì đột xuất thì báo trước(ib riêng cho anh).</a:t>
-            </a:r>
-          </a:p>
-          <a:p>
-            <a:pPr marL="287020" indent="-274320" algn="just">
-              <a:spcBef>
-                <a:spcPts val="720"/>
-              </a:spcBef>
-              <a:buClr>
-                <a:srgbClr val="E7BB29"/>
-              </a:buClr>
-              <a:buSzPct val="94230"/>
-              <a:buFont typeface="Segoe UI Symbol"/>
-              <a:buChar char="⚫"/>
-              <a:tabLst>
-                <a:tab pos="287020" algn="l"/>
-              </a:tabLst>
-            </a:pPr>
-            <a:r>
-              <a:rPr lang="vi-VN" sz="2400" dirty="0">
-                <a:latin typeface="Arial"/>
-                <a:cs typeface="Arial"/>
-              </a:rPr>
-              <a:t>Nếu học Off thì mọi người hết sức trật tự, lễ phép, gọn gàng trước khi ra về dọn và cất ghê gọn gàng.</a:t>
-            </a:r>
-          </a:p>
-          <a:p>
-            <a:pPr marL="287020" indent="-274320" algn="just">
-              <a:spcBef>
-                <a:spcPts val="720"/>
-              </a:spcBef>
-              <a:buClr>
-                <a:srgbClr val="E7BB29"/>
-              </a:buClr>
-              <a:buSzPct val="94230"/>
-              <a:buFont typeface="Segoe UI Symbol"/>
-              <a:buChar char="⚫"/>
-              <a:tabLst>
-                <a:tab pos="287020" algn="l"/>
-              </a:tabLst>
-            </a:pPr>
-            <a:r>
-              <a:rPr lang="vi-VN" sz="2400" dirty="0">
-                <a:latin typeface="Arial"/>
-                <a:cs typeface="Arial"/>
-              </a:rPr>
-              <a:t>Không được dẫn người lạ vào lab nếu chưa có sự cho phép của anh.</a:t>
-            </a:r>
-          </a:p>
-          <a:p>
-            <a:pPr marL="355600" indent="-342900" algn="just">
-              <a:spcBef>
-                <a:spcPts val="720"/>
-              </a:spcBef>
-              <a:buClr>
-                <a:srgbClr val="E7BB29"/>
-              </a:buClr>
-              <a:buSzPct val="94230"/>
-              <a:buFont typeface="Wingdings" panose="05000000000000000000" pitchFamily="2" charset="2"/>
-              <a:buChar char="v"/>
-              <a:tabLst>
-                <a:tab pos="287020" algn="l"/>
-              </a:tabLst>
-            </a:pPr>
-            <a:r>
-              <a:rPr lang="vi-VN" sz="2400" dirty="0">
-                <a:latin typeface="Arial"/>
-                <a:cs typeface="Arial"/>
-              </a:rPr>
-              <a:t>Lưu ý:</a:t>
-            </a:r>
-          </a:p>
-          <a:p>
-            <a:pPr marL="812800" lvl="1" indent="-342900" algn="just">
-              <a:spcBef>
-                <a:spcPts val="720"/>
-              </a:spcBef>
-              <a:buClr>
-                <a:srgbClr val="E7BB29"/>
-              </a:buClr>
-              <a:buSzPct val="94230"/>
-              <a:buFont typeface="Arial" panose="020B0604020202020204" pitchFamily="34" charset="0"/>
-              <a:buChar char="•"/>
-              <a:tabLst>
-                <a:tab pos="287020" algn="l"/>
-              </a:tabLst>
-            </a:pPr>
-            <a:r>
-              <a:rPr lang="vi-VN" sz="2400" dirty="0">
-                <a:latin typeface="Arial"/>
-                <a:cs typeface="Arial"/>
-              </a:rPr>
-              <a:t>Khóa học hoàn toàn miễn phí. Anh mong mọi người có trách nhiệm, nếu cảm thấy không hợp có thể báo anh để anh đỡ mất công.</a:t>
-            </a:r>
-          </a:p>
-          <a:p>
-            <a:pPr marL="287020" indent="-274320" algn="just">
-              <a:spcBef>
-                <a:spcPts val="720"/>
-              </a:spcBef>
-              <a:buClr>
-                <a:srgbClr val="E7BB29"/>
-              </a:buClr>
-              <a:buSzPct val="94230"/>
-              <a:buFont typeface="Segoe UI Symbol"/>
-              <a:buChar char="⚫"/>
-              <a:tabLst>
-                <a:tab pos="287020" algn="l"/>
-              </a:tabLst>
-            </a:pPr>
-            <a:endParaRPr lang="vi-VN" sz="2400" dirty="0">
+              <a:t>Java</a:t>
+            </a:r>
+            <a:endParaRPr sz="2400" dirty="0">
               <a:latin typeface="Arial"/>
               <a:cs typeface="Arial"/>
             </a:endParaRPr>
           </a:p>
-          <a:p>
-            <a:pPr marL="287020" indent="-274320" algn="just">
-              <a:spcBef>
-                <a:spcPts val="720"/>
-              </a:spcBef>
-              <a:buClr>
-                <a:srgbClr val="E7BB29"/>
-              </a:buClr>
-              <a:buSzPct val="94230"/>
-              <a:buFont typeface="Segoe UI Symbol"/>
-              <a:buChar char="⚫"/>
-              <a:tabLst>
-                <a:tab pos="287020" algn="l"/>
-              </a:tabLst>
-            </a:pPr>
-            <a:endParaRPr lang="vi-VN" sz="2400" dirty="0">
-              <a:latin typeface="Arial"/>
-              <a:cs typeface="Arial"/>
-            </a:endParaRPr>
-          </a:p>
         </p:txBody>
       </p:sp>
+      <p:pic>
+        <p:nvPicPr>
+          <p:cNvPr id="4" name="Picture 3">
+            <a:extLst>
+              <a:ext uri="{FF2B5EF4-FFF2-40B4-BE49-F238E27FC236}">
+                <a16:creationId xmlns:a16="http://schemas.microsoft.com/office/drawing/2014/main" id="{0272B68E-FCDB-29C6-3BBB-EFC28932B3E7}"/>
+              </a:ext>
+            </a:extLst>
+          </p:cNvPr>
+          <p:cNvPicPr>
+            <a:picLocks noChangeAspect="1"/>
+          </p:cNvPicPr>
+          <p:nvPr/>
+        </p:nvPicPr>
+        <p:blipFill>
+          <a:blip r:embed="rId2"/>
+          <a:stretch>
+            <a:fillRect/>
+          </a:stretch>
+        </p:blipFill>
+        <p:spPr>
+          <a:xfrm>
+            <a:off x="4425723" y="2042273"/>
+            <a:ext cx="7422378" cy="4259196"/>
+          </a:xfrm>
+          <a:prstGeom prst="rect">
+            <a:avLst/>
+          </a:prstGeom>
+        </p:spPr>
+      </p:pic>
     </p:spTree>
     <p:extLst>
       <p:ext uri="{BB962C8B-B14F-4D97-AF65-F5344CB8AC3E}">
-        <p14:creationId xmlns:p14="http://schemas.microsoft.com/office/powerpoint/2010/main" val="1783174360"/>
+        <p14:creationId xmlns:p14="http://schemas.microsoft.com/office/powerpoint/2010/main" val="630055377"/>
       </p:ext>
     </p:extLst>
   </p:cSld>
@@ -18407,8 +18595,8 @@
               </a:spcBef>
             </a:pPr>
             <a:r>
-              <a:rPr lang="vi-VN" spc="-20" dirty="0"/>
-              <a:t>Mục tiêu</a:t>
+              <a:rPr lang="vi-VN" dirty="0"/>
+              <a:t>Những khái niệm cơ bản về ngôn ngữ C</a:t>
             </a:r>
             <a:endParaRPr spc="-20" dirty="0"/>
           </a:p>
@@ -18423,7 +18611,7 @@
         <p:spPr>
           <a:xfrm>
             <a:off x="974623" y="1837261"/>
-            <a:ext cx="7348220" cy="4873129"/>
+            <a:ext cx="10724570" cy="4054956"/>
           </a:xfrm>
           <a:prstGeom prst="rect">
             <a:avLst/>
@@ -18435,7 +18623,7 @@
           </a:bodyPr>
           <a:lstStyle/>
           <a:p>
-            <a:pPr marL="287020" indent="-274320">
+            <a:pPr marL="287020" indent="-274320" algn="just">
               <a:spcBef>
                 <a:spcPts val="720"/>
               </a:spcBef>
@@ -18454,11 +18642,11 @@
                 <a:latin typeface="Arial"/>
                 <a:cs typeface="Arial"/>
               </a:rPr>
-              <a:t>Hoàn thành C nhúng(mọi người đều hiểu và vượt qua bài test).</a:t>
-            </a:r>
-          </a:p>
-          <a:p>
-            <a:pPr marL="287020" indent="-274320">
+              <a:t>C được hiểu là ngôn ngữ bậc trung bởi vì nó kết hợp những yếu tố của những ngôn ngữ cấp cao và những chức năng của hợp ngữ (ngôn ngữ cấp thấp). </a:t>
+            </a:r>
+          </a:p>
+          <a:p>
+            <a:pPr marL="287020" indent="-274320" algn="just">
               <a:spcBef>
                 <a:spcPts val="720"/>
               </a:spcBef>
@@ -18477,11 +18665,11 @@
                 <a:latin typeface="Arial"/>
                 <a:cs typeface="Arial"/>
               </a:rPr>
-              <a:t>Làm một project nhỏ(cái này mọi người có thể tự nghĩ học anh nghĩ hộ).</a:t>
-            </a:r>
-          </a:p>
-          <a:p>
-            <a:pPr marL="287020" indent="-274320">
+              <a:t>C cho phép thao tác trên những thành phần cơ bản của máy tính như bits, bytes, địa chỉ…. Hơn nữa, mã C rất dễ di chuyển nghĩa là phần mềm viết cho  loại máy tính này có thể chạy trên một loại máy tính khác. </a:t>
+            </a:r>
+          </a:p>
+          <a:p>
+            <a:pPr marL="287020" indent="-274320" algn="just">
               <a:spcBef>
                 <a:spcPts val="720"/>
               </a:spcBef>
@@ -18500,11 +18688,11 @@
                 <a:latin typeface="Arial"/>
                 <a:cs typeface="Arial"/>
               </a:rPr>
-              <a:t>Thành thạo sử dụng:</a:t>
-            </a:r>
-          </a:p>
-          <a:p>
-            <a:pPr marL="744220" lvl="1" indent="-274320">
+              <a:t>C cho phép chuyển kiểu dữ liệu. Nó cho phép thao tác trực tiếp trên bits, bytes, word và con trỏ (pointer). Vì vậy, nó được dùng cho lập trình mức hệ thống.</a:t>
+            </a:r>
+          </a:p>
+          <a:p>
+            <a:pPr marL="287020" indent="-274320" algn="just">
               <a:spcBef>
                 <a:spcPts val="720"/>
               </a:spcBef>
@@ -18518,121 +18706,6 @@
                 <a:tab pos="287020" algn="l"/>
               </a:tabLst>
             </a:pPr>
-            <a:r>
-              <a:rPr lang="vi-VN" sz="2400" dirty="0">
-                <a:latin typeface="Arial"/>
-                <a:cs typeface="Arial"/>
-              </a:rPr>
-              <a:t>Ubuntu command line.</a:t>
-            </a:r>
-          </a:p>
-          <a:p>
-            <a:pPr marL="744220" lvl="1" indent="-274320">
-              <a:spcBef>
-                <a:spcPts val="720"/>
-              </a:spcBef>
-              <a:buClr>
-                <a:srgbClr val="E7BB29"/>
-              </a:buClr>
-              <a:buSzPct val="94230"/>
-              <a:buFont typeface="Segoe UI Symbol"/>
-              <a:buChar char="⚫"/>
-              <a:tabLst>
-                <a:tab pos="287020" algn="l"/>
-              </a:tabLst>
-            </a:pPr>
-            <a:r>
-              <a:rPr lang="vi-VN" sz="2400" dirty="0">
-                <a:latin typeface="Arial"/>
-                <a:cs typeface="Arial"/>
-              </a:rPr>
-              <a:t>Github Destop.</a:t>
-            </a:r>
-          </a:p>
-          <a:p>
-            <a:pPr marL="744220" lvl="1" indent="-274320">
-              <a:spcBef>
-                <a:spcPts val="720"/>
-              </a:spcBef>
-              <a:buClr>
-                <a:srgbClr val="E7BB29"/>
-              </a:buClr>
-              <a:buSzPct val="94230"/>
-              <a:buFont typeface="Segoe UI Symbol"/>
-              <a:buChar char="⚫"/>
-              <a:tabLst>
-                <a:tab pos="287020" algn="l"/>
-              </a:tabLst>
-            </a:pPr>
-            <a:r>
-              <a:rPr lang="vi-VN" sz="2400" dirty="0">
-                <a:latin typeface="Arial"/>
-                <a:cs typeface="Arial"/>
-              </a:rPr>
-              <a:t>Aruino IDE.</a:t>
-            </a:r>
-          </a:p>
-          <a:p>
-            <a:pPr marL="744220" lvl="1" indent="-274320">
-              <a:spcBef>
-                <a:spcPts val="720"/>
-              </a:spcBef>
-              <a:buClr>
-                <a:srgbClr val="E7BB29"/>
-              </a:buClr>
-              <a:buSzPct val="94230"/>
-              <a:buFont typeface="Segoe UI Symbol"/>
-              <a:buChar char="⚫"/>
-              <a:tabLst>
-                <a:tab pos="287020" algn="l"/>
-              </a:tabLst>
-            </a:pPr>
-            <a:r>
-              <a:rPr lang="vi-VN" sz="2400" dirty="0">
-                <a:latin typeface="Arial"/>
-                <a:cs typeface="Arial"/>
-              </a:rPr>
-              <a:t>Gcc, Makefile.</a:t>
-            </a:r>
-          </a:p>
-          <a:p>
-            <a:pPr marL="744220" lvl="1" indent="-274320">
-              <a:spcBef>
-                <a:spcPts val="720"/>
-              </a:spcBef>
-              <a:buClr>
-                <a:srgbClr val="E7BB29"/>
-              </a:buClr>
-              <a:buSzPct val="94230"/>
-              <a:buFont typeface="Segoe UI Symbol"/>
-              <a:buChar char="⚫"/>
-              <a:tabLst>
-                <a:tab pos="287020" algn="l"/>
-              </a:tabLst>
-            </a:pPr>
-            <a:r>
-              <a:rPr lang="vi-VN" sz="2400" dirty="0">
-                <a:latin typeface="Arial"/>
-                <a:cs typeface="Arial"/>
-              </a:rPr>
-              <a:t>Proteus.</a:t>
-            </a:r>
-          </a:p>
-          <a:p>
-            <a:pPr marL="744220" lvl="1" indent="-274320">
-              <a:spcBef>
-                <a:spcPts val="720"/>
-              </a:spcBef>
-              <a:buClr>
-                <a:srgbClr val="E7BB29"/>
-              </a:buClr>
-              <a:buSzPct val="94230"/>
-              <a:buFont typeface="Segoe UI Symbol"/>
-              <a:buChar char="⚫"/>
-              <a:tabLst>
-                <a:tab pos="287020" algn="l"/>
-              </a:tabLst>
-            </a:pPr>
             <a:endParaRPr lang="vi-VN" sz="2400" dirty="0">
               <a:latin typeface="Arial"/>
               <a:cs typeface="Arial"/>
@@ -18643,7 +18716,7 @@
     </p:spTree>
     <p:extLst>
       <p:ext uri="{BB962C8B-B14F-4D97-AF65-F5344CB8AC3E}">
-        <p14:creationId xmlns:p14="http://schemas.microsoft.com/office/powerpoint/2010/main" val="3310282889"/>
+        <p14:creationId xmlns:p14="http://schemas.microsoft.com/office/powerpoint/2010/main" val="2739729369"/>
       </p:ext>
     </p:extLst>
   </p:cSld>
